--- a/SHaslettRecommenderSystemsInContext.pptx
+++ b/SHaslettRecommenderSystemsInContext.pptx
@@ -10,14 +10,7 @@
     <p:sldId id="258" r:id="rId4"/>
     <p:sldId id="259" r:id="rId5"/>
     <p:sldId id="260" r:id="rId6"/>
-    <p:sldId id="261" r:id="rId7"/>
-    <p:sldId id="262" r:id="rId8"/>
-    <p:sldId id="264" r:id="rId9"/>
-    <p:sldId id="263" r:id="rId10"/>
-    <p:sldId id="266" r:id="rId11"/>
-    <p:sldId id="265" r:id="rId12"/>
-    <p:sldId id="267" r:id="rId13"/>
-    <p:sldId id="268" r:id="rId14"/>
+    <p:sldId id="268" r:id="rId7"/>
   </p:sldIdLst>
   <p:sldSz cx="12192000" cy="6858000"/>
   <p:notesSz cx="6858000" cy="9144000"/>
@@ -7795,1052 +7788,6 @@
 </p:sld>
 </file>
 
-<file path=ppt/slides/slide10.xml><?xml version="1.0" encoding="utf-8"?>
-<p:sld xmlns:a="http://schemas.openxmlformats.org/drawingml/2006/main" xmlns:r="http://schemas.openxmlformats.org/officeDocument/2006/relationships" xmlns:p="http://schemas.openxmlformats.org/presentationml/2006/main">
-  <p:cSld>
-    <p:spTree>
-      <p:nvGrpSpPr>
-        <p:cNvPr id="1" name=""/>
-        <p:cNvGrpSpPr/>
-        <p:nvPr/>
-      </p:nvGrpSpPr>
-      <p:grpSpPr>
-        <a:xfrm>
-          <a:off x="0" y="0"/>
-          <a:ext cx="0" cy="0"/>
-          <a:chOff x="0" y="0"/>
-          <a:chExt cx="0" cy="0"/>
-        </a:xfrm>
-      </p:grpSpPr>
-      <p:sp>
-        <p:nvSpPr>
-          <p:cNvPr id="2" name="Title 1"/>
-          <p:cNvSpPr>
-            <a:spLocks noGrp="1"/>
-          </p:cNvSpPr>
-          <p:nvPr>
-            <p:ph type="title"/>
-          </p:nvPr>
-        </p:nvSpPr>
-        <p:spPr/>
-        <p:txBody>
-          <a:bodyPr/>
-          <a:lstStyle/>
-          <a:p>
-            <a:r>
-              <a:rPr lang="en-US" dirty="0" smtClean="0"/>
-              <a:t>Crime Rate per Borough Bar Graph</a:t>
-            </a:r>
-            <a:endParaRPr lang="en-US" dirty="0"/>
-          </a:p>
-        </p:txBody>
-      </p:sp>
-      <p:sp>
-        <p:nvSpPr>
-          <p:cNvPr id="8" name="TextBox 7"/>
-          <p:cNvSpPr txBox="1"/>
-          <p:nvPr/>
-        </p:nvSpPr>
-        <p:spPr>
-          <a:xfrm>
-            <a:off x="4077478" y="2271486"/>
-            <a:ext cx="253596" cy="369332"/>
-          </a:xfrm>
-          <a:prstGeom prst="rect">
-            <a:avLst/>
-          </a:prstGeom>
-          <a:noFill/>
-        </p:spPr>
-        <p:txBody>
-          <a:bodyPr wrap="none" rtlCol="0">
-            <a:spAutoFit/>
-          </a:bodyPr>
-          <a:lstStyle/>
-          <a:p>
-            <a:r>
-              <a:rPr lang="en-US" dirty="0"/>
-              <a:t> </a:t>
-            </a:r>
-          </a:p>
-        </p:txBody>
-      </p:sp>
-      <p:sp>
-        <p:nvSpPr>
-          <p:cNvPr id="9" name="TextBox 8"/>
-          <p:cNvSpPr txBox="1"/>
-          <p:nvPr/>
-        </p:nvSpPr>
-        <p:spPr>
-          <a:xfrm>
-            <a:off x="4572000" y="2836506"/>
-            <a:ext cx="184731" cy="1477328"/>
-          </a:xfrm>
-          <a:prstGeom prst="rect">
-            <a:avLst/>
-          </a:prstGeom>
-          <a:noFill/>
-        </p:spPr>
-        <p:txBody>
-          <a:bodyPr wrap="none" rtlCol="0">
-            <a:spAutoFit/>
-          </a:bodyPr>
-          <a:lstStyle/>
-          <a:p>
-            <a:endParaRPr lang="en-US" dirty="0"/>
-          </a:p>
-          <a:p>
-            <a:endParaRPr lang="en-US" dirty="0" smtClean="0"/>
-          </a:p>
-          <a:p>
-            <a:endParaRPr lang="en-US" dirty="0"/>
-          </a:p>
-          <a:p>
-            <a:endParaRPr lang="en-US" dirty="0" smtClean="0"/>
-          </a:p>
-          <a:p>
-            <a:endParaRPr lang="en-US" dirty="0"/>
-          </a:p>
-        </p:txBody>
-      </p:sp>
-      <p:sp>
-        <p:nvSpPr>
-          <p:cNvPr id="3" name="TextBox 2"/>
-          <p:cNvSpPr txBox="1"/>
-          <p:nvPr/>
-        </p:nvSpPr>
-        <p:spPr>
-          <a:xfrm>
-            <a:off x="10730204" y="1109031"/>
-            <a:ext cx="1534523" cy="369332"/>
-          </a:xfrm>
-          <a:prstGeom prst="rect">
-            <a:avLst/>
-          </a:prstGeom>
-          <a:noFill/>
-        </p:spPr>
-        <p:txBody>
-          <a:bodyPr wrap="none" rtlCol="0">
-            <a:spAutoFit/>
-          </a:bodyPr>
-          <a:lstStyle/>
-          <a:p>
-            <a:r>
-              <a:rPr lang="en-US" dirty="0" smtClean="0"/>
-              <a:t>Data Analysis</a:t>
-            </a:r>
-            <a:endParaRPr lang="en-US" dirty="0"/>
-          </a:p>
-        </p:txBody>
-      </p:sp>
-      <p:pic>
-        <p:nvPicPr>
-          <p:cNvPr id="6" name="Content Placeholder 5"/>
-          <p:cNvPicPr>
-            <a:picLocks noGrp="1" noChangeAspect="1"/>
-          </p:cNvPicPr>
-          <p:nvPr>
-            <p:ph idx="1"/>
-          </p:nvPr>
-        </p:nvPicPr>
-        <p:blipFill>
-          <a:blip r:embed="rId2">
-            <a:extLst>
-              <a:ext uri="{28A0092B-C50C-407E-A947-70E740481C1C}">
-                <a14:useLocalDpi xmlns:a14="http://schemas.microsoft.com/office/drawing/2010/main" val="0"/>
-              </a:ext>
-            </a:extLst>
-          </a:blip>
-          <a:stretch>
-            <a:fillRect/>
-          </a:stretch>
-        </p:blipFill>
-        <p:spPr>
-          <a:xfrm>
-            <a:off x="403200" y="2456152"/>
-            <a:ext cx="4884417" cy="4090503"/>
-          </a:xfrm>
-        </p:spPr>
-      </p:pic>
-      <p:sp>
-        <p:nvSpPr>
-          <p:cNvPr id="12" name="TextBox 11"/>
-          <p:cNvSpPr txBox="1"/>
-          <p:nvPr/>
-        </p:nvSpPr>
-        <p:spPr>
-          <a:xfrm>
-            <a:off x="6316825" y="2456152"/>
-            <a:ext cx="4851008" cy="1477328"/>
-          </a:xfrm>
-          <a:prstGeom prst="rect">
-            <a:avLst/>
-          </a:prstGeom>
-          <a:noFill/>
-        </p:spPr>
-        <p:txBody>
-          <a:bodyPr wrap="none" rtlCol="0">
-            <a:spAutoFit/>
-          </a:bodyPr>
-          <a:lstStyle/>
-          <a:p>
-            <a:r>
-              <a:rPr lang="en-US" dirty="0" smtClean="0"/>
-              <a:t>The highest amount of arrests occur in the</a:t>
-            </a:r>
-          </a:p>
-          <a:p>
-            <a:r>
-              <a:rPr lang="en-US" dirty="0" smtClean="0"/>
-              <a:t>Bronx, followed by Manhattan and Brooklyn.</a:t>
-            </a:r>
-          </a:p>
-          <a:p>
-            <a:endParaRPr lang="en-US" dirty="0"/>
-          </a:p>
-          <a:p>
-            <a:r>
-              <a:rPr lang="en-US" dirty="0" smtClean="0"/>
-              <a:t>The least amount of arrests occur in Queens,</a:t>
-            </a:r>
-          </a:p>
-          <a:p>
-            <a:r>
-              <a:rPr lang="en-US" dirty="0" smtClean="0"/>
-              <a:t>followed by Staten Island.  </a:t>
-            </a:r>
-          </a:p>
-        </p:txBody>
-      </p:sp>
-    </p:spTree>
-    <p:extLst>
-      <p:ext uri="{BB962C8B-B14F-4D97-AF65-F5344CB8AC3E}">
-        <p14:creationId xmlns:p14="http://schemas.microsoft.com/office/powerpoint/2010/main" val="2101598247"/>
-      </p:ext>
-    </p:extLst>
-  </p:cSld>
-  <p:clrMapOvr>
-    <a:masterClrMapping/>
-  </p:clrMapOvr>
-</p:sld>
-</file>
-
-<file path=ppt/slides/slide11.xml><?xml version="1.0" encoding="utf-8"?>
-<p:sld xmlns:a="http://schemas.openxmlformats.org/drawingml/2006/main" xmlns:r="http://schemas.openxmlformats.org/officeDocument/2006/relationships" xmlns:p="http://schemas.openxmlformats.org/presentationml/2006/main">
-  <p:cSld>
-    <p:spTree>
-      <p:nvGrpSpPr>
-        <p:cNvPr id="1" name=""/>
-        <p:cNvGrpSpPr/>
-        <p:nvPr/>
-      </p:nvGrpSpPr>
-      <p:grpSpPr>
-        <a:xfrm>
-          <a:off x="0" y="0"/>
-          <a:ext cx="0" cy="0"/>
-          <a:chOff x="0" y="0"/>
-          <a:chExt cx="0" cy="0"/>
-        </a:xfrm>
-      </p:grpSpPr>
-      <p:sp>
-        <p:nvSpPr>
-          <p:cNvPr id="2" name="Title 1"/>
-          <p:cNvSpPr>
-            <a:spLocks noGrp="1"/>
-          </p:cNvSpPr>
-          <p:nvPr>
-            <p:ph type="title"/>
-          </p:nvPr>
-        </p:nvSpPr>
-        <p:spPr/>
-        <p:txBody>
-          <a:bodyPr/>
-          <a:lstStyle/>
-          <a:p>
-            <a:r>
-              <a:rPr lang="en-US" dirty="0" smtClean="0"/>
-              <a:t>Arrest Frequency by Crime Category</a:t>
-            </a:r>
-            <a:endParaRPr lang="en-US" dirty="0"/>
-          </a:p>
-        </p:txBody>
-      </p:sp>
-      <p:sp>
-        <p:nvSpPr>
-          <p:cNvPr id="8" name="TextBox 7"/>
-          <p:cNvSpPr txBox="1"/>
-          <p:nvPr/>
-        </p:nvSpPr>
-        <p:spPr>
-          <a:xfrm>
-            <a:off x="4077478" y="2271486"/>
-            <a:ext cx="253596" cy="369332"/>
-          </a:xfrm>
-          <a:prstGeom prst="rect">
-            <a:avLst/>
-          </a:prstGeom>
-          <a:noFill/>
-        </p:spPr>
-        <p:txBody>
-          <a:bodyPr wrap="none" rtlCol="0">
-            <a:spAutoFit/>
-          </a:bodyPr>
-          <a:lstStyle/>
-          <a:p>
-            <a:r>
-              <a:rPr lang="en-US" dirty="0"/>
-              <a:t> </a:t>
-            </a:r>
-          </a:p>
-        </p:txBody>
-      </p:sp>
-      <p:sp>
-        <p:nvSpPr>
-          <p:cNvPr id="9" name="TextBox 8"/>
-          <p:cNvSpPr txBox="1"/>
-          <p:nvPr/>
-        </p:nvSpPr>
-        <p:spPr>
-          <a:xfrm>
-            <a:off x="4572000" y="2836506"/>
-            <a:ext cx="184731" cy="1477328"/>
-          </a:xfrm>
-          <a:prstGeom prst="rect">
-            <a:avLst/>
-          </a:prstGeom>
-          <a:noFill/>
-        </p:spPr>
-        <p:txBody>
-          <a:bodyPr wrap="none" rtlCol="0">
-            <a:spAutoFit/>
-          </a:bodyPr>
-          <a:lstStyle/>
-          <a:p>
-            <a:endParaRPr lang="en-US" dirty="0"/>
-          </a:p>
-          <a:p>
-            <a:endParaRPr lang="en-US" dirty="0" smtClean="0"/>
-          </a:p>
-          <a:p>
-            <a:endParaRPr lang="en-US" dirty="0"/>
-          </a:p>
-          <a:p>
-            <a:endParaRPr lang="en-US" dirty="0" smtClean="0"/>
-          </a:p>
-          <a:p>
-            <a:endParaRPr lang="en-US" dirty="0"/>
-          </a:p>
-        </p:txBody>
-      </p:sp>
-      <p:sp>
-        <p:nvSpPr>
-          <p:cNvPr id="3" name="TextBox 2"/>
-          <p:cNvSpPr txBox="1"/>
-          <p:nvPr/>
-        </p:nvSpPr>
-        <p:spPr>
-          <a:xfrm>
-            <a:off x="10730204" y="1109031"/>
-            <a:ext cx="1534523" cy="369332"/>
-          </a:xfrm>
-          <a:prstGeom prst="rect">
-            <a:avLst/>
-          </a:prstGeom>
-          <a:noFill/>
-        </p:spPr>
-        <p:txBody>
-          <a:bodyPr wrap="none" rtlCol="0">
-            <a:spAutoFit/>
-          </a:bodyPr>
-          <a:lstStyle/>
-          <a:p>
-            <a:r>
-              <a:rPr lang="en-US" dirty="0" smtClean="0"/>
-              <a:t>Data Analysis</a:t>
-            </a:r>
-            <a:endParaRPr lang="en-US" dirty="0"/>
-          </a:p>
-        </p:txBody>
-      </p:sp>
-      <p:pic>
-        <p:nvPicPr>
-          <p:cNvPr id="7" name="Picture 6"/>
-          <p:cNvPicPr>
-            <a:picLocks noChangeAspect="1"/>
-          </p:cNvPicPr>
-          <p:nvPr/>
-        </p:nvPicPr>
-        <p:blipFill>
-          <a:blip r:embed="rId2">
-            <a:extLst>
-              <a:ext uri="{28A0092B-C50C-407E-A947-70E740481C1C}">
-                <a14:useLocalDpi xmlns:a14="http://schemas.microsoft.com/office/drawing/2010/main" val="0"/>
-              </a:ext>
-            </a:extLst>
-          </a:blip>
-          <a:stretch>
-            <a:fillRect/>
-          </a:stretch>
-        </p:blipFill>
-        <p:spPr>
-          <a:xfrm>
-            <a:off x="624465" y="2336873"/>
-            <a:ext cx="5187938" cy="4409892"/>
-          </a:xfrm>
-          <a:prstGeom prst="rect">
-            <a:avLst/>
-          </a:prstGeom>
-        </p:spPr>
-      </p:pic>
-      <p:sp>
-        <p:nvSpPr>
-          <p:cNvPr id="11" name="Content Placeholder 10"/>
-          <p:cNvSpPr>
-            <a:spLocks noGrp="1"/>
-          </p:cNvSpPr>
-          <p:nvPr>
-            <p:ph idx="1"/>
-          </p:nvPr>
-        </p:nvSpPr>
-        <p:spPr>
-          <a:xfrm>
-            <a:off x="6111061" y="2336873"/>
-            <a:ext cx="5672771" cy="2584000"/>
-          </a:xfrm>
-        </p:spPr>
-        <p:txBody>
-          <a:bodyPr>
-            <a:normAutofit fontScale="62500" lnSpcReduction="20000"/>
-          </a:bodyPr>
-          <a:lstStyle/>
-          <a:p>
-            <a:pPr marL="0" indent="0">
-              <a:buNone/>
-            </a:pPr>
-            <a:r>
-              <a:rPr lang="en-US" dirty="0"/>
-              <a:t>Over half of all arrests in NYC are for misdemeanor </a:t>
-            </a:r>
-            <a:r>
-              <a:rPr lang="en-US" dirty="0" smtClean="0"/>
-              <a:t>offences (crimes </a:t>
-            </a:r>
-            <a:r>
-              <a:rPr lang="en-US" dirty="0"/>
-              <a:t>such as petty theft, disorderly conduct, public intoxication, assault, etc</a:t>
-            </a:r>
-            <a:r>
-              <a:rPr lang="en-US" dirty="0" smtClean="0"/>
-              <a:t>.).</a:t>
-            </a:r>
-          </a:p>
-          <a:p>
-            <a:pPr marL="0" indent="0">
-              <a:buNone/>
-            </a:pPr>
-            <a:r>
-              <a:rPr lang="en-US" dirty="0" smtClean="0"/>
-              <a:t>Just </a:t>
-            </a:r>
-            <a:r>
-              <a:rPr lang="en-US" dirty="0"/>
-              <a:t>under half as many felony arrests were made (crimes such as murder, burglary, arson, etc.), and the remainder of arrests were for violations (disorderly conduct, loitering, etc</a:t>
-            </a:r>
-            <a:r>
-              <a:rPr lang="en-US" dirty="0" smtClean="0"/>
-              <a:t>.).</a:t>
-            </a:r>
-          </a:p>
-          <a:p>
-            <a:pPr marL="0" indent="0">
-              <a:buNone/>
-            </a:pPr>
-            <a:r>
-              <a:rPr lang="en-US" dirty="0" smtClean="0"/>
-              <a:t>The </a:t>
-            </a:r>
-            <a:r>
-              <a:rPr lang="en-US" dirty="0"/>
-              <a:t>low level of violation arrests is not surprising as these are low level crimes which rarely result in arrest</a:t>
-            </a:r>
-            <a:r>
-              <a:rPr lang="en-US" dirty="0" smtClean="0"/>
-              <a:t>.</a:t>
-            </a:r>
-          </a:p>
-          <a:p>
-            <a:pPr marL="0" indent="0">
-              <a:buNone/>
-            </a:pPr>
-            <a:r>
-              <a:rPr lang="en-US" dirty="0" smtClean="0"/>
-              <a:t>These </a:t>
-            </a:r>
-            <a:r>
-              <a:rPr lang="en-US" dirty="0"/>
-              <a:t>statistics make sense as felonies are less likely crimes, misdemeanors are less serious crimes, but often result in arrest, and violations rarely lead to arrest.</a:t>
-            </a:r>
-          </a:p>
-          <a:p>
-            <a:endParaRPr lang="en-US" dirty="0"/>
-          </a:p>
-        </p:txBody>
-      </p:sp>
-    </p:spTree>
-    <p:extLst>
-      <p:ext uri="{BB962C8B-B14F-4D97-AF65-F5344CB8AC3E}">
-        <p14:creationId xmlns:p14="http://schemas.microsoft.com/office/powerpoint/2010/main" val="2033753188"/>
-      </p:ext>
-    </p:extLst>
-  </p:cSld>
-  <p:clrMapOvr>
-    <a:masterClrMapping/>
-  </p:clrMapOvr>
-</p:sld>
-</file>
-
-<file path=ppt/slides/slide12.xml><?xml version="1.0" encoding="utf-8"?>
-<p:sld xmlns:a="http://schemas.openxmlformats.org/drawingml/2006/main" xmlns:r="http://schemas.openxmlformats.org/officeDocument/2006/relationships" xmlns:p="http://schemas.openxmlformats.org/presentationml/2006/main">
-  <p:cSld>
-    <p:spTree>
-      <p:nvGrpSpPr>
-        <p:cNvPr id="1" name=""/>
-        <p:cNvGrpSpPr/>
-        <p:nvPr/>
-      </p:nvGrpSpPr>
-      <p:grpSpPr>
-        <a:xfrm>
-          <a:off x="0" y="0"/>
-          <a:ext cx="0" cy="0"/>
-          <a:chOff x="0" y="0"/>
-          <a:chExt cx="0" cy="0"/>
-        </a:xfrm>
-      </p:grpSpPr>
-      <p:sp>
-        <p:nvSpPr>
-          <p:cNvPr id="2" name="Title 1"/>
-          <p:cNvSpPr>
-            <a:spLocks noGrp="1"/>
-          </p:cNvSpPr>
-          <p:nvPr>
-            <p:ph type="title"/>
-          </p:nvPr>
-        </p:nvSpPr>
-        <p:spPr/>
-        <p:txBody>
-          <a:bodyPr/>
-          <a:lstStyle/>
-          <a:p>
-            <a:r>
-              <a:rPr lang="en-US" dirty="0" smtClean="0"/>
-              <a:t>Crimes Leading to The Least Arrests</a:t>
-            </a:r>
-            <a:endParaRPr lang="en-US" dirty="0"/>
-          </a:p>
-        </p:txBody>
-      </p:sp>
-      <p:sp>
-        <p:nvSpPr>
-          <p:cNvPr id="8" name="TextBox 7"/>
-          <p:cNvSpPr txBox="1"/>
-          <p:nvPr/>
-        </p:nvSpPr>
-        <p:spPr>
-          <a:xfrm>
-            <a:off x="4077478" y="2271486"/>
-            <a:ext cx="253596" cy="369332"/>
-          </a:xfrm>
-          <a:prstGeom prst="rect">
-            <a:avLst/>
-          </a:prstGeom>
-          <a:noFill/>
-        </p:spPr>
-        <p:txBody>
-          <a:bodyPr wrap="none" rtlCol="0">
-            <a:spAutoFit/>
-          </a:bodyPr>
-          <a:lstStyle/>
-          <a:p>
-            <a:r>
-              <a:rPr lang="en-US" dirty="0"/>
-              <a:t> </a:t>
-            </a:r>
-          </a:p>
-        </p:txBody>
-      </p:sp>
-      <p:sp>
-        <p:nvSpPr>
-          <p:cNvPr id="9" name="TextBox 8"/>
-          <p:cNvSpPr txBox="1"/>
-          <p:nvPr/>
-        </p:nvSpPr>
-        <p:spPr>
-          <a:xfrm>
-            <a:off x="4572000" y="2836506"/>
-            <a:ext cx="184731" cy="1477328"/>
-          </a:xfrm>
-          <a:prstGeom prst="rect">
-            <a:avLst/>
-          </a:prstGeom>
-          <a:noFill/>
-        </p:spPr>
-        <p:txBody>
-          <a:bodyPr wrap="none" rtlCol="0">
-            <a:spAutoFit/>
-          </a:bodyPr>
-          <a:lstStyle/>
-          <a:p>
-            <a:endParaRPr lang="en-US" dirty="0"/>
-          </a:p>
-          <a:p>
-            <a:endParaRPr lang="en-US" dirty="0" smtClean="0"/>
-          </a:p>
-          <a:p>
-            <a:endParaRPr lang="en-US" dirty="0"/>
-          </a:p>
-          <a:p>
-            <a:endParaRPr lang="en-US" dirty="0" smtClean="0"/>
-          </a:p>
-          <a:p>
-            <a:endParaRPr lang="en-US" dirty="0"/>
-          </a:p>
-        </p:txBody>
-      </p:sp>
-      <p:sp>
-        <p:nvSpPr>
-          <p:cNvPr id="3" name="TextBox 2"/>
-          <p:cNvSpPr txBox="1"/>
-          <p:nvPr/>
-        </p:nvSpPr>
-        <p:spPr>
-          <a:xfrm>
-            <a:off x="10730204" y="1109031"/>
-            <a:ext cx="1534523" cy="369332"/>
-          </a:xfrm>
-          <a:prstGeom prst="rect">
-            <a:avLst/>
-          </a:prstGeom>
-          <a:noFill/>
-        </p:spPr>
-        <p:txBody>
-          <a:bodyPr wrap="none" rtlCol="0">
-            <a:spAutoFit/>
-          </a:bodyPr>
-          <a:lstStyle/>
-          <a:p>
-            <a:r>
-              <a:rPr lang="en-US" dirty="0" smtClean="0"/>
-              <a:t>Data Analysis</a:t>
-            </a:r>
-            <a:endParaRPr lang="en-US" dirty="0"/>
-          </a:p>
-        </p:txBody>
-      </p:sp>
-      <p:pic>
-        <p:nvPicPr>
-          <p:cNvPr id="5" name="Content Placeholder 4"/>
-          <p:cNvPicPr>
-            <a:picLocks noGrp="1" noChangeAspect="1"/>
-          </p:cNvPicPr>
-          <p:nvPr>
-            <p:ph idx="1"/>
-          </p:nvPr>
-        </p:nvPicPr>
-        <p:blipFill>
-          <a:blip r:embed="rId2">
-            <a:extLst>
-              <a:ext uri="{28A0092B-C50C-407E-A947-70E740481C1C}">
-                <a14:useLocalDpi xmlns:a14="http://schemas.microsoft.com/office/drawing/2010/main" val="0"/>
-              </a:ext>
-            </a:extLst>
-          </a:blip>
-          <a:stretch>
-            <a:fillRect/>
-          </a:stretch>
-        </p:blipFill>
-        <p:spPr>
-          <a:xfrm>
-            <a:off x="354522" y="2456152"/>
-            <a:ext cx="6921126" cy="4183592"/>
-          </a:xfrm>
-        </p:spPr>
-      </p:pic>
-      <p:sp>
-        <p:nvSpPr>
-          <p:cNvPr id="10" name="TextBox 9"/>
-          <p:cNvSpPr txBox="1"/>
-          <p:nvPr/>
-        </p:nvSpPr>
-        <p:spPr>
-          <a:xfrm>
-            <a:off x="7603640" y="2456152"/>
-            <a:ext cx="3889486" cy="2585323"/>
-          </a:xfrm>
-          <a:prstGeom prst="rect">
-            <a:avLst/>
-          </a:prstGeom>
-          <a:noFill/>
-        </p:spPr>
-        <p:txBody>
-          <a:bodyPr wrap="square" rtlCol="0">
-            <a:spAutoFit/>
-          </a:bodyPr>
-          <a:lstStyle/>
-          <a:p>
-            <a:r>
-              <a:rPr lang="en-US" dirty="0" smtClean="0"/>
-              <a:t>Finally</a:t>
-            </a:r>
-            <a:r>
-              <a:rPr lang="en-US" dirty="0"/>
-              <a:t>, I wanted to look at the crimes that lead to the least amount of arrests in NYC. It is interesting that these are all low level crimes. This would suggest that they are crimes that people rarely get arrested for, or that they are so low level that people rarely report these crimes</a:t>
-            </a:r>
-            <a:r>
-              <a:rPr lang="en-US" dirty="0" smtClean="0"/>
-              <a:t>.</a:t>
-            </a:r>
-            <a:endParaRPr lang="en-US" dirty="0"/>
-          </a:p>
-        </p:txBody>
-      </p:sp>
-    </p:spTree>
-    <p:extLst>
-      <p:ext uri="{BB962C8B-B14F-4D97-AF65-F5344CB8AC3E}">
-        <p14:creationId xmlns:p14="http://schemas.microsoft.com/office/powerpoint/2010/main" val="1712440182"/>
-      </p:ext>
-    </p:extLst>
-  </p:cSld>
-  <p:clrMapOvr>
-    <a:masterClrMapping/>
-  </p:clrMapOvr>
-</p:sld>
-</file>
-
-<file path=ppt/slides/slide13.xml><?xml version="1.0" encoding="utf-8"?>
-<p:sld xmlns:a="http://schemas.openxmlformats.org/drawingml/2006/main" xmlns:r="http://schemas.openxmlformats.org/officeDocument/2006/relationships" xmlns:p="http://schemas.openxmlformats.org/presentationml/2006/main">
-  <p:cSld>
-    <p:spTree>
-      <p:nvGrpSpPr>
-        <p:cNvPr id="1" name=""/>
-        <p:cNvGrpSpPr/>
-        <p:nvPr/>
-      </p:nvGrpSpPr>
-      <p:grpSpPr>
-        <a:xfrm>
-          <a:off x="0" y="0"/>
-          <a:ext cx="0" cy="0"/>
-          <a:chOff x="0" y="0"/>
-          <a:chExt cx="0" cy="0"/>
-        </a:xfrm>
-      </p:grpSpPr>
-      <p:sp>
-        <p:nvSpPr>
-          <p:cNvPr id="2" name="Title 1"/>
-          <p:cNvSpPr>
-            <a:spLocks noGrp="1"/>
-          </p:cNvSpPr>
-          <p:nvPr>
-            <p:ph type="title"/>
-          </p:nvPr>
-        </p:nvSpPr>
-        <p:spPr/>
-        <p:txBody>
-          <a:bodyPr/>
-          <a:lstStyle/>
-          <a:p>
-            <a:r>
-              <a:rPr lang="en-US" dirty="0" smtClean="0"/>
-              <a:t>Conclusion</a:t>
-            </a:r>
-            <a:endParaRPr lang="en-US" dirty="0"/>
-          </a:p>
-        </p:txBody>
-      </p:sp>
-      <p:sp>
-        <p:nvSpPr>
-          <p:cNvPr id="8" name="TextBox 7"/>
-          <p:cNvSpPr txBox="1"/>
-          <p:nvPr/>
-        </p:nvSpPr>
-        <p:spPr>
-          <a:xfrm>
-            <a:off x="4077478" y="2271486"/>
-            <a:ext cx="253596" cy="369332"/>
-          </a:xfrm>
-          <a:prstGeom prst="rect">
-            <a:avLst/>
-          </a:prstGeom>
-          <a:noFill/>
-        </p:spPr>
-        <p:txBody>
-          <a:bodyPr wrap="none" rtlCol="0">
-            <a:spAutoFit/>
-          </a:bodyPr>
-          <a:lstStyle/>
-          <a:p>
-            <a:r>
-              <a:rPr lang="en-US" dirty="0"/>
-              <a:t> </a:t>
-            </a:r>
-          </a:p>
-        </p:txBody>
-      </p:sp>
-      <p:sp>
-        <p:nvSpPr>
-          <p:cNvPr id="9" name="TextBox 8"/>
-          <p:cNvSpPr txBox="1"/>
-          <p:nvPr/>
-        </p:nvSpPr>
-        <p:spPr>
-          <a:xfrm>
-            <a:off x="4572000" y="2836506"/>
-            <a:ext cx="184731" cy="1477328"/>
-          </a:xfrm>
-          <a:prstGeom prst="rect">
-            <a:avLst/>
-          </a:prstGeom>
-          <a:noFill/>
-        </p:spPr>
-        <p:txBody>
-          <a:bodyPr wrap="none" rtlCol="0">
-            <a:spAutoFit/>
-          </a:bodyPr>
-          <a:lstStyle/>
-          <a:p>
-            <a:endParaRPr lang="en-US" dirty="0"/>
-          </a:p>
-          <a:p>
-            <a:endParaRPr lang="en-US" dirty="0" smtClean="0"/>
-          </a:p>
-          <a:p>
-            <a:endParaRPr lang="en-US" dirty="0"/>
-          </a:p>
-          <a:p>
-            <a:endParaRPr lang="en-US" dirty="0" smtClean="0"/>
-          </a:p>
-          <a:p>
-            <a:endParaRPr lang="en-US" dirty="0"/>
-          </a:p>
-        </p:txBody>
-      </p:sp>
-      <p:sp>
-        <p:nvSpPr>
-          <p:cNvPr id="3" name="TextBox 2"/>
-          <p:cNvSpPr txBox="1"/>
-          <p:nvPr/>
-        </p:nvSpPr>
-        <p:spPr>
-          <a:xfrm>
-            <a:off x="10730204" y="1109031"/>
-            <a:ext cx="1289135" cy="369332"/>
-          </a:xfrm>
-          <a:prstGeom prst="rect">
-            <a:avLst/>
-          </a:prstGeom>
-          <a:noFill/>
-        </p:spPr>
-        <p:txBody>
-          <a:bodyPr wrap="none" rtlCol="0">
-            <a:spAutoFit/>
-          </a:bodyPr>
-          <a:lstStyle/>
-          <a:p>
-            <a:r>
-              <a:rPr lang="en-US" dirty="0" smtClean="0"/>
-              <a:t>Conclusion</a:t>
-            </a:r>
-            <a:endParaRPr lang="en-US" dirty="0"/>
-          </a:p>
-        </p:txBody>
-      </p:sp>
-      <p:sp>
-        <p:nvSpPr>
-          <p:cNvPr id="4" name="TextBox 3"/>
-          <p:cNvSpPr txBox="1"/>
-          <p:nvPr/>
-        </p:nvSpPr>
-        <p:spPr>
-          <a:xfrm>
-            <a:off x="4331074" y="2147186"/>
-            <a:ext cx="7832308" cy="3108543"/>
-          </a:xfrm>
-          <a:prstGeom prst="rect">
-            <a:avLst/>
-          </a:prstGeom>
-          <a:noFill/>
-        </p:spPr>
-        <p:txBody>
-          <a:bodyPr wrap="square" rtlCol="0">
-            <a:spAutoFit/>
-          </a:bodyPr>
-          <a:lstStyle/>
-          <a:p>
-            <a:r>
-              <a:rPr lang="en-US" sz="1400" dirty="0"/>
-              <a:t>The number of arrests for low level crimes are consistently low throughout this </a:t>
-            </a:r>
-            <a:r>
-              <a:rPr lang="en-US" sz="1400" dirty="0" smtClean="0"/>
-              <a:t>report. This </a:t>
-            </a:r>
-            <a:r>
-              <a:rPr lang="en-US" sz="1400" dirty="0"/>
-              <a:t>would suggest that such crimes often go unreported, or they are so low level that they </a:t>
-            </a:r>
-            <a:r>
-              <a:rPr lang="en-US" sz="1400" dirty="0" smtClean="0"/>
-              <a:t>do</a:t>
-            </a:r>
-          </a:p>
-          <a:p>
-            <a:r>
-              <a:rPr lang="en-US" sz="1400" dirty="0" smtClean="0"/>
-              <a:t>not warrant arrest.</a:t>
-            </a:r>
-          </a:p>
-          <a:p>
-            <a:endParaRPr lang="en-US" sz="1400" dirty="0"/>
-          </a:p>
-          <a:p>
-            <a:r>
-              <a:rPr lang="en-US" sz="1400" dirty="0" smtClean="0"/>
-              <a:t>The </a:t>
-            </a:r>
-            <a:r>
-              <a:rPr lang="en-US" sz="1400" dirty="0"/>
-              <a:t>fact that misdemeanors lead to the most arrests is of no surprise. Such crimes are low </a:t>
-            </a:r>
-            <a:r>
-              <a:rPr lang="en-US" sz="1400" dirty="0" err="1" smtClean="0"/>
-              <a:t>level,but</a:t>
-            </a:r>
-            <a:r>
-              <a:rPr lang="en-US" sz="1400" dirty="0" smtClean="0"/>
-              <a:t> </a:t>
-            </a:r>
-            <a:r>
-              <a:rPr lang="en-US" sz="1400" dirty="0"/>
-              <a:t>they lead to arrest. The fact that they are low level probably means people are more likely </a:t>
-            </a:r>
-            <a:r>
-              <a:rPr lang="en-US" sz="1400" dirty="0" smtClean="0"/>
-              <a:t>to commit </a:t>
-            </a:r>
-            <a:r>
-              <a:rPr lang="en-US" sz="1400" dirty="0"/>
-              <a:t>these crimes with little effort to hide their actions</a:t>
-            </a:r>
-            <a:r>
-              <a:rPr lang="en-US" sz="1400" dirty="0" smtClean="0"/>
-              <a:t>.</a:t>
-            </a:r>
-          </a:p>
-          <a:p>
-            <a:endParaRPr lang="en-US" sz="1400" dirty="0"/>
-          </a:p>
-          <a:p>
-            <a:r>
-              <a:rPr lang="en-US" sz="1400" dirty="0"/>
-              <a:t>When it comes to safe boroughs in New York, it appears that Queens is the safest </a:t>
-            </a:r>
-            <a:r>
-              <a:rPr lang="en-US" sz="1400" dirty="0" smtClean="0"/>
-              <a:t>borough,</a:t>
-            </a:r>
-          </a:p>
-          <a:p>
-            <a:r>
-              <a:rPr lang="en-US" sz="1400" dirty="0" smtClean="0"/>
-              <a:t>followed </a:t>
-            </a:r>
-            <a:r>
-              <a:rPr lang="en-US" sz="1400" dirty="0"/>
-              <a:t>by Staten Island. The most dangerous borough is the Bronx, followed by </a:t>
-            </a:r>
-            <a:r>
-              <a:rPr lang="en-US" sz="1400" dirty="0" smtClean="0"/>
-              <a:t>Manhattan.</a:t>
-            </a:r>
-          </a:p>
-          <a:p>
-            <a:endParaRPr lang="en-US" sz="1400" dirty="0"/>
-          </a:p>
-          <a:p>
-            <a:r>
-              <a:rPr lang="en-US" sz="1400" dirty="0" smtClean="0"/>
-              <a:t>I </a:t>
-            </a:r>
-            <a:r>
-              <a:rPr lang="en-US" sz="1400" dirty="0"/>
-              <a:t>would not have expected Manhattan to have a high crime rate, so given more </a:t>
-            </a:r>
-            <a:r>
-              <a:rPr lang="en-US" sz="1400" dirty="0" smtClean="0"/>
-              <a:t>time,</a:t>
-            </a:r>
-          </a:p>
-          <a:p>
-            <a:r>
-              <a:rPr lang="en-US" sz="1400" dirty="0" smtClean="0"/>
-              <a:t>this </a:t>
-            </a:r>
-            <a:r>
-              <a:rPr lang="en-US" sz="1400" dirty="0"/>
-              <a:t>would have been an interesting point to explore further. Either there are interesting </a:t>
-            </a:r>
-            <a:r>
-              <a:rPr lang="en-US" sz="1400" dirty="0" smtClean="0"/>
-              <a:t>reasons for </a:t>
-            </a:r>
-            <a:r>
-              <a:rPr lang="en-US" sz="1400" dirty="0"/>
-              <a:t>this lurking below the surface, or the data is somehow skewed.</a:t>
-            </a:r>
-          </a:p>
-        </p:txBody>
-      </p:sp>
-      <p:pic>
-        <p:nvPicPr>
-          <p:cNvPr id="11" name="Picture 10"/>
-          <p:cNvPicPr>
-            <a:picLocks noChangeAspect="1"/>
-          </p:cNvPicPr>
-          <p:nvPr/>
-        </p:nvPicPr>
-        <p:blipFill>
-          <a:blip r:embed="rId2">
-            <a:extLst>
-              <a:ext uri="{28A0092B-C50C-407E-A947-70E740481C1C}">
-                <a14:useLocalDpi xmlns:a14="http://schemas.microsoft.com/office/drawing/2010/main" val="0"/>
-              </a:ext>
-            </a:extLst>
-          </a:blip>
-          <a:stretch>
-            <a:fillRect/>
-          </a:stretch>
-        </p:blipFill>
-        <p:spPr>
-          <a:xfrm>
-            <a:off x="410796" y="2271486"/>
-            <a:ext cx="3817262" cy="3046963"/>
-          </a:xfrm>
-          <a:prstGeom prst="rect">
-            <a:avLst/>
-          </a:prstGeom>
-        </p:spPr>
-      </p:pic>
-    </p:spTree>
-    <p:extLst>
-      <p:ext uri="{BB962C8B-B14F-4D97-AF65-F5344CB8AC3E}">
-        <p14:creationId xmlns:p14="http://schemas.microsoft.com/office/powerpoint/2010/main" val="635367941"/>
-      </p:ext>
-    </p:extLst>
-  </p:cSld>
-  <p:clrMapOvr>
-    <a:masterClrMapping/>
-  </p:clrMapOvr>
-</p:sld>
-</file>
-
 <file path=ppt/slides/slide2.xml><?xml version="1.0" encoding="utf-8"?>
 <p:sld xmlns:a="http://schemas.openxmlformats.org/drawingml/2006/main" xmlns:r="http://schemas.openxmlformats.org/officeDocument/2006/relationships" xmlns:p="http://schemas.openxmlformats.org/presentationml/2006/main">
   <p:cSld>
@@ -9362,14 +8309,16 @@
         </p:nvSpPr>
         <p:spPr/>
         <p:txBody>
-          <a:bodyPr/>
+          <a:bodyPr>
+            <a:normAutofit/>
+          </a:bodyPr>
           <a:lstStyle/>
           <a:p>
             <a:r>
-              <a:rPr lang="en-US" dirty="0" smtClean="0"/>
-              <a:t>The Technical Stuff</a:t>
-            </a:r>
-            <a:endParaRPr lang="en-US" dirty="0"/>
+              <a:rPr lang="en-US" sz="3200" dirty="0" smtClean="0"/>
+              <a:t>CARS Paradigms </a:t>
+            </a:r>
+            <a:endParaRPr lang="en-US" sz="3200" dirty="0"/>
           </a:p>
         </p:txBody>
       </p:sp>
@@ -9382,7 +8331,7 @@
         <p:spPr>
           <a:xfrm>
             <a:off x="10749121" y="1109031"/>
-            <a:ext cx="1315360" cy="369332"/>
+            <a:ext cx="1230401" cy="369332"/>
           </a:xfrm>
           <a:prstGeom prst="rect">
             <a:avLst/>
@@ -9396,8 +8345,8 @@
           <a:lstStyle/>
           <a:p>
             <a:r>
-              <a:rPr lang="en-US" smtClean="0"/>
-              <a:t>R Packages</a:t>
+              <a:rPr lang="en-US" dirty="0" smtClean="0"/>
+              <a:t>Paradigms</a:t>
             </a:r>
             <a:endParaRPr lang="en-US" dirty="0"/>
           </a:p>
@@ -9427,8 +8376,8 @@
         </p:blipFill>
         <p:spPr>
           <a:xfrm>
-            <a:off x="680321" y="2243494"/>
-            <a:ext cx="3350831" cy="3598863"/>
+            <a:off x="163486" y="2312474"/>
+            <a:ext cx="4821982" cy="3149618"/>
           </a:xfrm>
         </p:spPr>
       </p:pic>
@@ -9440,8 +8389,8 @@
         </p:nvSpPr>
         <p:spPr>
           <a:xfrm>
-            <a:off x="4194238" y="2243494"/>
-            <a:ext cx="7212563" cy="3847207"/>
+            <a:off x="5060930" y="2251446"/>
+            <a:ext cx="7212563" cy="4462760"/>
           </a:xfrm>
           <a:prstGeom prst="rect">
             <a:avLst/>
@@ -9456,179 +8405,151 @@
           <a:p>
             <a:r>
               <a:rPr lang="en-US" dirty="0" smtClean="0"/>
-              <a:t>Main R packages used in this project:</a:t>
-            </a:r>
-          </a:p>
-          <a:p>
-            <a:endParaRPr lang="en-US" dirty="0"/>
+              <a:t>CARS utilize 3 paradigms to incorporate context into recommendations</a:t>
+            </a:r>
+            <a:r>
+              <a:rPr lang="en-US" dirty="0" smtClean="0"/>
+              <a:t>:</a:t>
+            </a:r>
+            <a:endParaRPr lang="en-US" dirty="0"/>
+          </a:p>
+          <a:p>
+            <a:endParaRPr lang="en-US" dirty="0" smtClean="0"/>
           </a:p>
           <a:p>
             <a:pPr marL="285750" indent="-285750">
-              <a:buFontTx/>
-              <a:buChar char="-"/>
+              <a:buFont typeface="Arial" charset="0"/>
+              <a:buChar char="•"/>
             </a:pPr>
             <a:r>
+              <a:rPr lang="en-US" dirty="0" smtClean="0"/>
+              <a:t>Contextual Prefiltering</a:t>
+            </a:r>
+            <a:r>
               <a:rPr lang="en-US" dirty="0"/>
-              <a:t>j</a:t>
-            </a:r>
+              <a:t/>
+            </a:r>
+            <a:br>
+              <a:rPr lang="en-US" dirty="0"/>
+            </a:br>
+            <a:r>
+              <a:rPr lang="en-US" sz="1400" dirty="0" smtClean="0"/>
+              <a:t>Items that do not match the specified context are removed from the dataset.</a:t>
+            </a:r>
+            <a:br>
+              <a:rPr lang="en-US" sz="1400" dirty="0" smtClean="0"/>
+            </a:br>
+            <a:r>
+              <a:rPr lang="en-US" sz="1400" dirty="0" smtClean="0"/>
+              <a:t>For example, if a user wants to watch a movie on the weekend, all weekday movies will be removed from the dataset. </a:t>
+            </a:r>
+          </a:p>
+          <a:p>
+            <a:pPr marL="285750" indent="-285750">
+              <a:buFont typeface="Arial" charset="0"/>
+              <a:buChar char="•"/>
+            </a:pPr>
+            <a:endParaRPr lang="en-US" sz="1400" dirty="0"/>
+          </a:p>
+          <a:p>
+            <a:pPr marL="285750" indent="-285750">
+              <a:buFont typeface="Arial" charset="0"/>
+              <a:buChar char="•"/>
+            </a:pPr>
             <a:r>
               <a:rPr lang="en-US" dirty="0" smtClean="0"/>
-              <a:t>sonlite </a:t>
-            </a:r>
-            <a:r>
-              <a:rPr lang="en-US" sz="1600" dirty="0" smtClean="0"/>
-              <a:t>(</a:t>
-            </a:r>
-            <a:r>
-              <a:rPr lang="en-US" sz="1600" i="1" dirty="0" smtClean="0"/>
-              <a:t>For pulling data in from NYC OpenData’s JSON endpoints)</a:t>
-            </a:r>
-            <a:endParaRPr lang="en-US" sz="1600" dirty="0"/>
+              <a:t>Contextual Postfiltering</a:t>
+            </a:r>
+            <a:r>
+              <a:rPr lang="en-US" sz="1400" dirty="0"/>
+              <a:t/>
+            </a:r>
+            <a:br>
+              <a:rPr lang="en-US" sz="1400" dirty="0"/>
+            </a:br>
+            <a:r>
+              <a:rPr lang="en-US" sz="1400" dirty="0" smtClean="0"/>
+              <a:t>Contextual </a:t>
+            </a:r>
+            <a:r>
+              <a:rPr lang="en-US" sz="1400" dirty="0"/>
+              <a:t>information is initially ignored, and the ratings are predicted </a:t>
+            </a:r>
+            <a:r>
+              <a:rPr lang="en-US" sz="1400" dirty="0" smtClean="0"/>
+              <a:t>using </a:t>
+            </a:r>
+            <a:r>
+              <a:rPr lang="en-US" sz="1400" dirty="0"/>
+              <a:t>traditional </a:t>
+            </a:r>
+            <a:r>
+              <a:rPr lang="en-US" sz="1400" dirty="0" smtClean="0"/>
+              <a:t>recommender </a:t>
+            </a:r>
+            <a:r>
+              <a:rPr lang="en-US" sz="1400" dirty="0"/>
+              <a:t>system </a:t>
+            </a:r>
+            <a:r>
+              <a:rPr lang="en-US" sz="1400" dirty="0" smtClean="0"/>
+              <a:t>algorithms. The recommendations are then adjusted for </a:t>
+            </a:r>
+            <a:r>
+              <a:rPr lang="en-US" sz="1400" dirty="0"/>
+              <a:t>each user using the contextual </a:t>
+            </a:r>
+            <a:r>
+              <a:rPr lang="en-US" sz="1400" dirty="0" smtClean="0"/>
+              <a:t>information.</a:t>
+            </a:r>
           </a:p>
           <a:p>
             <a:pPr marL="285750" indent="-285750">
-              <a:buFontTx/>
-              <a:buChar char="-"/>
+              <a:buFont typeface="Arial" charset="0"/>
+              <a:buChar char="•"/>
             </a:pPr>
-            <a:endParaRPr lang="en-US" sz="1600" dirty="0" smtClean="0"/>
+            <a:endParaRPr lang="en-US" sz="1400" dirty="0"/>
           </a:p>
           <a:p>
             <a:pPr marL="285750" indent="-285750">
-              <a:buFontTx/>
-              <a:buChar char="-"/>
+              <a:buFont typeface="Arial" charset="0"/>
+              <a:buChar char="•"/>
             </a:pPr>
             <a:r>
               <a:rPr lang="en-US" dirty="0" smtClean="0"/>
-              <a:t>kableExtra</a:t>
-            </a:r>
-            <a:r>
-              <a:rPr lang="en-US" sz="1600" dirty="0" smtClean="0"/>
-              <a:t> </a:t>
-            </a:r>
-            <a:r>
-              <a:rPr lang="en-US" sz="1600" i="1" dirty="0" smtClean="0"/>
-              <a:t>(For making ugly R tables look pretty)</a:t>
-            </a:r>
-          </a:p>
-          <a:p>
-            <a:pPr marL="285750" indent="-285750">
-              <a:buFontTx/>
-              <a:buChar char="-"/>
-            </a:pPr>
-            <a:endParaRPr lang="en-US" sz="1600" i="1" dirty="0"/>
-          </a:p>
-          <a:p>
-            <a:pPr marL="285750" indent="-285750">
-              <a:buFontTx/>
-              <a:buChar char="-"/>
-            </a:pPr>
+              <a:t>Contextual Modeling</a:t>
+            </a:r>
             <a:r>
               <a:rPr lang="en-US" dirty="0"/>
-              <a:t>p</a:t>
+              <a:t/>
+            </a:r>
+            <a:br>
+              <a:rPr lang="en-US" dirty="0"/>
+            </a:br>
+            <a:r>
+              <a:rPr lang="en-US" sz="1400" dirty="0" smtClean="0"/>
+              <a:t>Uses </a:t>
+            </a:r>
+            <a:r>
+              <a:rPr lang="en-US" sz="1400" dirty="0"/>
+              <a:t>contextual information directly in the recommendation function as an explicit predictor of a user’s rating for an </a:t>
+            </a:r>
+            <a:r>
+              <a:rPr lang="en-US" sz="1400" dirty="0" smtClean="0"/>
+              <a:t>item. </a:t>
             </a:r>
             <a:r>
               <a:rPr lang="en-US" dirty="0" smtClean="0"/>
-              <a:t>rettydoc</a:t>
-            </a:r>
-            <a:r>
-              <a:rPr lang="en-US" sz="1600" i="1" dirty="0" smtClean="0"/>
-              <a:t> (For making HTML documents look pretty)</a:t>
-            </a:r>
-          </a:p>
-          <a:p>
-            <a:endParaRPr lang="en-US" dirty="0" smtClean="0"/>
-          </a:p>
-          <a:p>
-            <a:pPr marL="285750" indent="-285750">
-              <a:buFontTx/>
-              <a:buChar char="-"/>
-            </a:pPr>
-            <a:r>
-              <a:rPr lang="en-US" dirty="0"/>
-              <a:t>t</a:t>
-            </a:r>
-            <a:r>
+              <a:t/>
+            </a:r>
+            <a:br>
               <a:rPr lang="en-US" dirty="0" smtClean="0"/>
-              <a:t>idyverse </a:t>
-            </a:r>
-            <a:r>
-              <a:rPr lang="en-US" sz="1600" dirty="0" smtClean="0"/>
-              <a:t>(</a:t>
-            </a:r>
-            <a:r>
-              <a:rPr lang="en-US" sz="1600" i="1" dirty="0"/>
-              <a:t>F</a:t>
-            </a:r>
-            <a:r>
-              <a:rPr lang="en-US" sz="1600" i="1" dirty="0" smtClean="0"/>
-              <a:t>or pretty much everything else</a:t>
-            </a:r>
-            <a:r>
-              <a:rPr lang="en-US" sz="1600" dirty="0" smtClean="0"/>
-              <a:t>)</a:t>
-            </a:r>
-          </a:p>
-          <a:p>
-            <a:pPr marL="742950" lvl="1" indent="-285750">
-              <a:buFontTx/>
-              <a:buChar char="-"/>
-            </a:pPr>
-            <a:r>
-              <a:rPr lang="en-US" sz="1600" dirty="0"/>
-              <a:t>g</a:t>
-            </a:r>
-            <a:r>
-              <a:rPr lang="en-US" sz="1600" dirty="0" smtClean="0"/>
-              <a:t>gplot (</a:t>
-            </a:r>
-            <a:r>
-              <a:rPr lang="en-US" sz="1600" i="1" dirty="0"/>
-              <a:t>D</a:t>
-            </a:r>
-            <a:r>
-              <a:rPr lang="en-US" sz="1600" i="1" dirty="0" smtClean="0"/>
-              <a:t>ata plots</a:t>
-            </a:r>
-            <a:r>
-              <a:rPr lang="en-US" sz="1600" dirty="0" smtClean="0"/>
-              <a:t>)</a:t>
-            </a:r>
-          </a:p>
-          <a:p>
-            <a:pPr marL="742950" lvl="1" indent="-285750">
-              <a:buFontTx/>
-              <a:buChar char="-"/>
-            </a:pPr>
-            <a:r>
-              <a:rPr lang="en-US" sz="1600" dirty="0"/>
-              <a:t>d</a:t>
-            </a:r>
-            <a:r>
-              <a:rPr lang="en-US" sz="1600" dirty="0" smtClean="0"/>
-              <a:t>plyr </a:t>
-            </a:r>
-            <a:r>
-              <a:rPr lang="en-US" sz="1600" i="1" dirty="0" smtClean="0"/>
-              <a:t>(Data manipulation)</a:t>
-            </a:r>
-          </a:p>
-          <a:p>
-            <a:pPr lvl="1"/>
-            <a:endParaRPr lang="en-US" dirty="0" smtClean="0"/>
-          </a:p>
-          <a:p>
-            <a:pPr marL="742950" lvl="1" indent="-285750">
-              <a:buFontTx/>
-              <a:buChar char="-"/>
-            </a:pPr>
-            <a:endParaRPr lang="en-US" dirty="0" smtClean="0"/>
-          </a:p>
-          <a:p>
-            <a:pPr marL="742950" lvl="1" indent="-285750">
-              <a:buFontTx/>
-              <a:buChar char="-"/>
-            </a:pPr>
-            <a:endParaRPr lang="en-US" dirty="0"/>
+            </a:br>
+            <a:endParaRPr lang="en-US" sz="1400" dirty="0" smtClean="0"/>
+          </a:p>
+          <a:p>
+            <a:endParaRPr lang="en-US" sz="1400" dirty="0" smtClean="0"/>
           </a:p>
         </p:txBody>
       </p:sp>
@@ -9686,7 +8607,7 @@
           <a:p>
             <a:r>
               <a:rPr lang="en-US" dirty="0" smtClean="0"/>
-              <a:t>Cleaning The Data</a:t>
+              <a:t>Possible Applications for CARS</a:t>
             </a:r>
             <a:endParaRPr lang="en-US" dirty="0"/>
           </a:p>
@@ -9745,8 +8666,9 @@
           <a:p>
             <a:r>
               <a:rPr lang="en-US" dirty="0" smtClean="0"/>
-              <a:t>Part 1</a:t>
-            </a:r>
+              <a:t>Applications</a:t>
+            </a:r>
+            <a:endParaRPr lang="en-US" dirty="0" smtClean="0"/>
           </a:p>
         </p:txBody>
       </p:sp>
@@ -9907,22 +8829,22 @@
           <a:p>
             <a:r>
               <a:rPr lang="en-US" dirty="0" smtClean="0"/>
-              <a:t>Cleaning The Data ..</a:t>
-            </a:r>
-            <a:endParaRPr lang="en-US" dirty="0"/>
-          </a:p>
-        </p:txBody>
-      </p:sp>
-      <p:sp>
-        <p:nvSpPr>
-          <p:cNvPr id="4" name="TextBox 3"/>
+              <a:t>Conclusion</a:t>
+            </a:r>
+            <a:endParaRPr lang="en-US" dirty="0"/>
+          </a:p>
+        </p:txBody>
+      </p:sp>
+      <p:sp>
+        <p:nvSpPr>
+          <p:cNvPr id="8" name="TextBox 7"/>
           <p:cNvSpPr txBox="1"/>
           <p:nvPr/>
         </p:nvSpPr>
         <p:spPr>
           <a:xfrm>
-            <a:off x="10709055" y="1109031"/>
-            <a:ext cx="1473614" cy="369332"/>
+            <a:off x="4077478" y="2271486"/>
+            <a:ext cx="253596" cy="369332"/>
           </a:xfrm>
           <a:prstGeom prst="rect">
             <a:avLst/>
@@ -9930,98 +8852,235 @@
           <a:noFill/>
         </p:spPr>
         <p:txBody>
+          <a:bodyPr wrap="none" rtlCol="0">
+            <a:spAutoFit/>
+          </a:bodyPr>
+          <a:lstStyle/>
+          <a:p>
+            <a:r>
+              <a:rPr lang="en-US" dirty="0"/>
+              <a:t> </a:t>
+            </a:r>
+          </a:p>
+        </p:txBody>
+      </p:sp>
+      <p:sp>
+        <p:nvSpPr>
+          <p:cNvPr id="9" name="TextBox 8"/>
+          <p:cNvSpPr txBox="1"/>
+          <p:nvPr/>
+        </p:nvSpPr>
+        <p:spPr>
+          <a:xfrm>
+            <a:off x="4572000" y="2836506"/>
+            <a:ext cx="184731" cy="1477328"/>
+          </a:xfrm>
+          <a:prstGeom prst="rect">
+            <a:avLst/>
+          </a:prstGeom>
+          <a:noFill/>
+        </p:spPr>
+        <p:txBody>
+          <a:bodyPr wrap="none" rtlCol="0">
+            <a:spAutoFit/>
+          </a:bodyPr>
+          <a:lstStyle/>
+          <a:p>
+            <a:endParaRPr lang="en-US" dirty="0"/>
+          </a:p>
+          <a:p>
+            <a:endParaRPr lang="en-US" dirty="0" smtClean="0"/>
+          </a:p>
+          <a:p>
+            <a:endParaRPr lang="en-US" dirty="0"/>
+          </a:p>
+          <a:p>
+            <a:endParaRPr lang="en-US" dirty="0" smtClean="0"/>
+          </a:p>
+          <a:p>
+            <a:endParaRPr lang="en-US" dirty="0"/>
+          </a:p>
+        </p:txBody>
+      </p:sp>
+      <p:sp>
+        <p:nvSpPr>
+          <p:cNvPr id="3" name="TextBox 2"/>
+          <p:cNvSpPr txBox="1"/>
+          <p:nvPr/>
+        </p:nvSpPr>
+        <p:spPr>
+          <a:xfrm>
+            <a:off x="10730204" y="1109031"/>
+            <a:ext cx="1289135" cy="369332"/>
+          </a:xfrm>
+          <a:prstGeom prst="rect">
+            <a:avLst/>
+          </a:prstGeom>
+          <a:noFill/>
+        </p:spPr>
+        <p:txBody>
+          <a:bodyPr wrap="none" rtlCol="0">
+            <a:spAutoFit/>
+          </a:bodyPr>
+          <a:lstStyle/>
+          <a:p>
+            <a:r>
+              <a:rPr lang="en-US" dirty="0" smtClean="0"/>
+              <a:t>Conclusion</a:t>
+            </a:r>
+            <a:endParaRPr lang="en-US" dirty="0"/>
+          </a:p>
+        </p:txBody>
+      </p:sp>
+      <p:sp>
+        <p:nvSpPr>
+          <p:cNvPr id="4" name="TextBox 3"/>
+          <p:cNvSpPr txBox="1"/>
+          <p:nvPr/>
+        </p:nvSpPr>
+        <p:spPr>
+          <a:xfrm>
+            <a:off x="4331074" y="2147186"/>
+            <a:ext cx="7832308" cy="3108543"/>
+          </a:xfrm>
+          <a:prstGeom prst="rect">
+            <a:avLst/>
+          </a:prstGeom>
+          <a:noFill/>
+        </p:spPr>
+        <p:txBody>
           <a:bodyPr wrap="square" rtlCol="0">
             <a:spAutoFit/>
           </a:bodyPr>
           <a:lstStyle/>
           <a:p>
             <a:r>
-              <a:rPr lang="en-US" dirty="0" smtClean="0"/>
-              <a:t>Part 2</a:t>
-            </a:r>
-          </a:p>
-        </p:txBody>
-      </p:sp>
-      <p:sp>
-        <p:nvSpPr>
-          <p:cNvPr id="8" name="TextBox 7"/>
-          <p:cNvSpPr txBox="1"/>
-          <p:nvPr/>
-        </p:nvSpPr>
-        <p:spPr>
-          <a:xfrm>
-            <a:off x="4077478" y="2271486"/>
-            <a:ext cx="253596" cy="369332"/>
-          </a:xfrm>
-          <a:prstGeom prst="rect">
-            <a:avLst/>
-          </a:prstGeom>
-          <a:noFill/>
-        </p:spPr>
-        <p:txBody>
-          <a:bodyPr wrap="none" rtlCol="0">
-            <a:spAutoFit/>
-          </a:bodyPr>
-          <a:lstStyle/>
-          <a:p>
-            <a:r>
-              <a:rPr lang="en-US" dirty="0"/>
+              <a:rPr lang="en-US" sz="1400" dirty="0"/>
+              <a:t>The number of arrests for low level crimes are consistently low throughout this </a:t>
+            </a:r>
+            <a:r>
+              <a:rPr lang="en-US" sz="1400" dirty="0" smtClean="0"/>
+              <a:t>report. This </a:t>
+            </a:r>
+            <a:r>
+              <a:rPr lang="en-US" sz="1400" dirty="0"/>
+              <a:t>would suggest that such crimes often go unreported, or they are so low level that they </a:t>
+            </a:r>
+            <a:r>
+              <a:rPr lang="en-US" sz="1400" dirty="0" smtClean="0"/>
+              <a:t>do</a:t>
+            </a:r>
+          </a:p>
+          <a:p>
+            <a:r>
+              <a:rPr lang="en-US" sz="1400" dirty="0" smtClean="0"/>
+              <a:t>not warrant arrest.</a:t>
+            </a:r>
+          </a:p>
+          <a:p>
+            <a:endParaRPr lang="en-US" sz="1400" dirty="0"/>
+          </a:p>
+          <a:p>
+            <a:r>
+              <a:rPr lang="en-US" sz="1400" dirty="0" smtClean="0"/>
+              <a:t>The </a:t>
+            </a:r>
+            <a:r>
+              <a:rPr lang="en-US" sz="1400" dirty="0"/>
+              <a:t>fact that misdemeanors lead to the most arrests is of no surprise. Such crimes are low </a:t>
+            </a:r>
+            <a:r>
+              <a:rPr lang="en-US" sz="1400" dirty="0" err="1" smtClean="0"/>
+              <a:t>level,but</a:t>
+            </a:r>
+            <a:r>
+              <a:rPr lang="en-US" sz="1400" dirty="0" smtClean="0"/>
               <a:t> </a:t>
             </a:r>
-          </a:p>
-        </p:txBody>
-      </p:sp>
-      <p:sp>
-        <p:nvSpPr>
-          <p:cNvPr id="9" name="TextBox 8"/>
-          <p:cNvSpPr txBox="1"/>
-          <p:nvPr/>
-        </p:nvSpPr>
-        <p:spPr>
-          <a:xfrm>
-            <a:off x="4572000" y="2836506"/>
-            <a:ext cx="6029215" cy="1754326"/>
-          </a:xfrm>
-          <a:prstGeom prst="rect">
-            <a:avLst/>
-          </a:prstGeom>
-          <a:noFill/>
-        </p:spPr>
-        <p:txBody>
-          <a:bodyPr wrap="none" rtlCol="0">
-            <a:spAutoFit/>
-          </a:bodyPr>
-          <a:lstStyle/>
-          <a:p>
-            <a:r>
-              <a:rPr lang="en-US" dirty="0"/>
-              <a:t>U</a:t>
-            </a:r>
-            <a:r>
-              <a:rPr lang="en-US" dirty="0" smtClean="0"/>
-              <a:t>sed “select()” to grab the columns that we needed -&gt;  </a:t>
-            </a:r>
-          </a:p>
-          <a:p>
-            <a:endParaRPr lang="en-US" dirty="0"/>
-          </a:p>
-          <a:p>
-            <a:endParaRPr lang="en-US" dirty="0" smtClean="0"/>
-          </a:p>
-          <a:p>
-            <a:endParaRPr lang="en-US" dirty="0"/>
-          </a:p>
-          <a:p>
-            <a:endParaRPr lang="en-US" dirty="0" smtClean="0"/>
-          </a:p>
-          <a:p>
-            <a:endParaRPr lang="en-US" dirty="0"/>
+            <a:r>
+              <a:rPr lang="en-US" sz="1400" dirty="0"/>
+              <a:t>they lead to arrest. The fact that they are low level probably means people are more likely </a:t>
+            </a:r>
+            <a:r>
+              <a:rPr lang="en-US" sz="1400" dirty="0" smtClean="0"/>
+              <a:t>to commit </a:t>
+            </a:r>
+            <a:r>
+              <a:rPr lang="en-US" sz="1400" dirty="0"/>
+              <a:t>these crimes with little effort to hide their actions</a:t>
+            </a:r>
+            <a:r>
+              <a:rPr lang="en-US" sz="1400" dirty="0" smtClean="0"/>
+              <a:t>.</a:t>
+            </a:r>
+          </a:p>
+          <a:p>
+            <a:endParaRPr lang="en-US" sz="1400" dirty="0"/>
+          </a:p>
+          <a:p>
+            <a:r>
+              <a:rPr lang="en-US" sz="1400" dirty="0"/>
+              <a:t>When it comes to safe boroughs in New York, it appears that Queens is the safest </a:t>
+            </a:r>
+            <a:r>
+              <a:rPr lang="en-US" sz="1400" dirty="0" smtClean="0"/>
+              <a:t>borough,</a:t>
+            </a:r>
+          </a:p>
+          <a:p>
+            <a:r>
+              <a:rPr lang="en-US" sz="1400" dirty="0" smtClean="0"/>
+              <a:t>followed </a:t>
+            </a:r>
+            <a:r>
+              <a:rPr lang="en-US" sz="1400" dirty="0"/>
+              <a:t>by Staten Island. The most dangerous borough is the Bronx, followed by </a:t>
+            </a:r>
+            <a:r>
+              <a:rPr lang="en-US" sz="1400" dirty="0" smtClean="0"/>
+              <a:t>Manhattan.</a:t>
+            </a:r>
+          </a:p>
+          <a:p>
+            <a:endParaRPr lang="en-US" sz="1400" dirty="0"/>
+          </a:p>
+          <a:p>
+            <a:r>
+              <a:rPr lang="en-US" sz="1400" dirty="0" smtClean="0"/>
+              <a:t>I </a:t>
+            </a:r>
+            <a:r>
+              <a:rPr lang="en-US" sz="1400" dirty="0"/>
+              <a:t>would not have expected Manhattan to have a high crime rate, so given more </a:t>
+            </a:r>
+            <a:r>
+              <a:rPr lang="en-US" sz="1400" dirty="0" smtClean="0"/>
+              <a:t>time,</a:t>
+            </a:r>
+          </a:p>
+          <a:p>
+            <a:r>
+              <a:rPr lang="en-US" sz="1400" dirty="0" smtClean="0"/>
+              <a:t>this </a:t>
+            </a:r>
+            <a:r>
+              <a:rPr lang="en-US" sz="1400" dirty="0"/>
+              <a:t>would have been an interesting point to explore further. Either there are interesting </a:t>
+            </a:r>
+            <a:r>
+              <a:rPr lang="en-US" sz="1400" dirty="0" smtClean="0"/>
+              <a:t>reasons for </a:t>
+            </a:r>
+            <a:r>
+              <a:rPr lang="en-US" sz="1400" dirty="0"/>
+              <a:t>this lurking below the surface, or the data is somehow skewed.</a:t>
+            </a:r>
           </a:p>
         </p:txBody>
       </p:sp>
       <p:pic>
         <p:nvPicPr>
-          <p:cNvPr id="6" name="Picture 5"/>
+          <p:cNvPr id="11" name="Picture 10"/>
           <p:cNvPicPr>
             <a:picLocks noChangeAspect="1"/>
           </p:cNvPicPr>
@@ -10041,660 +9100,18 @@
         </p:blipFill>
         <p:spPr>
           <a:xfrm>
-            <a:off x="2385101" y="3849400"/>
-            <a:ext cx="9369277" cy="1814282"/>
+            <a:off x="410796" y="2271486"/>
+            <a:ext cx="3817262" cy="3046963"/>
           </a:xfrm>
           <a:prstGeom prst="rect">
             <a:avLst/>
           </a:prstGeom>
-        </p:spPr>
-      </p:pic>
-      <p:pic>
-        <p:nvPicPr>
-          <p:cNvPr id="11" name="Content Placeholder 10"/>
-          <p:cNvPicPr>
-            <a:picLocks noGrp="1" noChangeAspect="1"/>
-          </p:cNvPicPr>
-          <p:nvPr>
-            <p:ph idx="1"/>
-          </p:nvPr>
-        </p:nvPicPr>
-        <p:blipFill>
-          <a:blip r:embed="rId3">
-            <a:extLst>
-              <a:ext uri="{28A0092B-C50C-407E-A947-70E740481C1C}">
-                <a14:useLocalDpi xmlns:a14="http://schemas.microsoft.com/office/drawing/2010/main" val="0"/>
-              </a:ext>
-            </a:extLst>
-          </a:blip>
-          <a:stretch>
-            <a:fillRect/>
-          </a:stretch>
-        </p:blipFill>
-        <p:spPr>
-          <a:xfrm>
-            <a:off x="680321" y="2335339"/>
-            <a:ext cx="3561420" cy="1656855"/>
-          </a:xfrm>
         </p:spPr>
       </p:pic>
     </p:spTree>
     <p:extLst>
       <p:ext uri="{BB962C8B-B14F-4D97-AF65-F5344CB8AC3E}">
-        <p14:creationId xmlns:p14="http://schemas.microsoft.com/office/powerpoint/2010/main" val="1767767704"/>
-      </p:ext>
-    </p:extLst>
-  </p:cSld>
-  <p:clrMapOvr>
-    <a:masterClrMapping/>
-  </p:clrMapOvr>
-</p:sld>
-</file>
-
-<file path=ppt/slides/slide7.xml><?xml version="1.0" encoding="utf-8"?>
-<p:sld xmlns:a="http://schemas.openxmlformats.org/drawingml/2006/main" xmlns:r="http://schemas.openxmlformats.org/officeDocument/2006/relationships" xmlns:p="http://schemas.openxmlformats.org/presentationml/2006/main">
-  <p:cSld>
-    <p:spTree>
-      <p:nvGrpSpPr>
-        <p:cNvPr id="1" name=""/>
-        <p:cNvGrpSpPr/>
-        <p:nvPr/>
-      </p:nvGrpSpPr>
-      <p:grpSpPr>
-        <a:xfrm>
-          <a:off x="0" y="0"/>
-          <a:ext cx="0" cy="0"/>
-          <a:chOff x="0" y="0"/>
-          <a:chExt cx="0" cy="0"/>
-        </a:xfrm>
-      </p:grpSpPr>
-      <p:sp>
-        <p:nvSpPr>
-          <p:cNvPr id="2" name="Title 1"/>
-          <p:cNvSpPr>
-            <a:spLocks noGrp="1"/>
-          </p:cNvSpPr>
-          <p:nvPr>
-            <p:ph type="title"/>
-          </p:nvPr>
-        </p:nvSpPr>
-        <p:spPr/>
-        <p:txBody>
-          <a:bodyPr/>
-          <a:lstStyle/>
-          <a:p>
-            <a:r>
-              <a:rPr lang="en-US" dirty="0" smtClean="0"/>
-              <a:t>Cleaning The Data </a:t>
-            </a:r>
-            <a:r>
-              <a:rPr lang="mr-IN" dirty="0" smtClean="0"/>
-              <a:t>…</a:t>
-            </a:r>
-            <a:endParaRPr lang="en-US" dirty="0"/>
-          </a:p>
-        </p:txBody>
-      </p:sp>
-      <p:sp>
-        <p:nvSpPr>
-          <p:cNvPr id="8" name="TextBox 7"/>
-          <p:cNvSpPr txBox="1"/>
-          <p:nvPr/>
-        </p:nvSpPr>
-        <p:spPr>
-          <a:xfrm>
-            <a:off x="4077478" y="2271486"/>
-            <a:ext cx="253596" cy="369332"/>
-          </a:xfrm>
-          <a:prstGeom prst="rect">
-            <a:avLst/>
-          </a:prstGeom>
-          <a:noFill/>
-        </p:spPr>
-        <p:txBody>
-          <a:bodyPr wrap="none" rtlCol="0">
-            <a:spAutoFit/>
-          </a:bodyPr>
-          <a:lstStyle/>
-          <a:p>
-            <a:r>
-              <a:rPr lang="en-US" dirty="0"/>
-              <a:t> </a:t>
-            </a:r>
-          </a:p>
-        </p:txBody>
-      </p:sp>
-      <p:sp>
-        <p:nvSpPr>
-          <p:cNvPr id="9" name="TextBox 8"/>
-          <p:cNvSpPr txBox="1"/>
-          <p:nvPr/>
-        </p:nvSpPr>
-        <p:spPr>
-          <a:xfrm>
-            <a:off x="4572000" y="2836506"/>
-            <a:ext cx="5596404" cy="1754326"/>
-          </a:xfrm>
-          <a:prstGeom prst="rect">
-            <a:avLst/>
-          </a:prstGeom>
-          <a:noFill/>
-        </p:spPr>
-        <p:txBody>
-          <a:bodyPr wrap="none" rtlCol="0">
-            <a:spAutoFit/>
-          </a:bodyPr>
-          <a:lstStyle/>
-          <a:p>
-            <a:r>
-              <a:rPr lang="en-US" dirty="0" smtClean="0"/>
-              <a:t>Got rid of NAs, and ended up with a clean dataset.  </a:t>
-            </a:r>
-          </a:p>
-          <a:p>
-            <a:endParaRPr lang="en-US" dirty="0"/>
-          </a:p>
-          <a:p>
-            <a:endParaRPr lang="en-US" dirty="0" smtClean="0"/>
-          </a:p>
-          <a:p>
-            <a:endParaRPr lang="en-US" dirty="0"/>
-          </a:p>
-          <a:p>
-            <a:endParaRPr lang="en-US" dirty="0" smtClean="0"/>
-          </a:p>
-          <a:p>
-            <a:endParaRPr lang="en-US" dirty="0"/>
-          </a:p>
-        </p:txBody>
-      </p:sp>
-      <p:pic>
-        <p:nvPicPr>
-          <p:cNvPr id="6" name="Picture 5"/>
-          <p:cNvPicPr>
-            <a:picLocks noChangeAspect="1"/>
-          </p:cNvPicPr>
-          <p:nvPr/>
-        </p:nvPicPr>
-        <p:blipFill>
-          <a:blip r:embed="rId2">
-            <a:extLst>
-              <a:ext uri="{28A0092B-C50C-407E-A947-70E740481C1C}">
-                <a14:useLocalDpi xmlns:a14="http://schemas.microsoft.com/office/drawing/2010/main" val="0"/>
-              </a:ext>
-            </a:extLst>
-          </a:blip>
-          <a:stretch>
-            <a:fillRect/>
-          </a:stretch>
-        </p:blipFill>
-        <p:spPr>
-          <a:xfrm>
-            <a:off x="4699094" y="3713669"/>
-            <a:ext cx="7275486" cy="1408837"/>
-          </a:xfrm>
-          <a:prstGeom prst="rect">
-            <a:avLst/>
-          </a:prstGeom>
-        </p:spPr>
-      </p:pic>
-      <p:sp>
-        <p:nvSpPr>
-          <p:cNvPr id="3" name="TextBox 2"/>
-          <p:cNvSpPr txBox="1"/>
-          <p:nvPr/>
-        </p:nvSpPr>
-        <p:spPr>
-          <a:xfrm>
-            <a:off x="10730204" y="1109031"/>
-            <a:ext cx="795987" cy="369332"/>
-          </a:xfrm>
-          <a:prstGeom prst="rect">
-            <a:avLst/>
-          </a:prstGeom>
-          <a:noFill/>
-        </p:spPr>
-        <p:txBody>
-          <a:bodyPr wrap="none" rtlCol="0">
-            <a:spAutoFit/>
-          </a:bodyPr>
-          <a:lstStyle/>
-          <a:p>
-            <a:r>
-              <a:rPr lang="en-US" dirty="0" smtClean="0"/>
-              <a:t>Part 3</a:t>
-            </a:r>
-            <a:endParaRPr lang="en-US" dirty="0"/>
-          </a:p>
-        </p:txBody>
-      </p:sp>
-      <p:pic>
-        <p:nvPicPr>
-          <p:cNvPr id="7" name="Content Placeholder 6"/>
-          <p:cNvPicPr>
-            <a:picLocks noGrp="1" noChangeAspect="1"/>
-          </p:cNvPicPr>
-          <p:nvPr>
-            <p:ph idx="1"/>
-          </p:nvPr>
-        </p:nvPicPr>
-        <p:blipFill>
-          <a:blip r:embed="rId3">
-            <a:extLst>
-              <a:ext uri="{28A0092B-C50C-407E-A947-70E740481C1C}">
-                <a14:useLocalDpi xmlns:a14="http://schemas.microsoft.com/office/drawing/2010/main" val="0"/>
-              </a:ext>
-            </a:extLst>
-          </a:blip>
-          <a:stretch>
-            <a:fillRect/>
-          </a:stretch>
-        </p:blipFill>
-        <p:spPr>
-          <a:xfrm>
-            <a:off x="114338" y="2456152"/>
-            <a:ext cx="3730680" cy="3598863"/>
-          </a:xfrm>
-        </p:spPr>
-      </p:pic>
-    </p:spTree>
-    <p:extLst>
-      <p:ext uri="{BB962C8B-B14F-4D97-AF65-F5344CB8AC3E}">
-        <p14:creationId xmlns:p14="http://schemas.microsoft.com/office/powerpoint/2010/main" val="1090317900"/>
-      </p:ext>
-    </p:extLst>
-  </p:cSld>
-  <p:clrMapOvr>
-    <a:masterClrMapping/>
-  </p:clrMapOvr>
-</p:sld>
-</file>
-
-<file path=ppt/slides/slide8.xml><?xml version="1.0" encoding="utf-8"?>
-<p:sld xmlns:a="http://schemas.openxmlformats.org/drawingml/2006/main" xmlns:r="http://schemas.openxmlformats.org/officeDocument/2006/relationships" xmlns:p="http://schemas.openxmlformats.org/presentationml/2006/main">
-  <p:cSld>
-    <p:spTree>
-      <p:nvGrpSpPr>
-        <p:cNvPr id="1" name=""/>
-        <p:cNvGrpSpPr/>
-        <p:nvPr/>
-      </p:nvGrpSpPr>
-      <p:grpSpPr>
-        <a:xfrm>
-          <a:off x="0" y="0"/>
-          <a:ext cx="0" cy="0"/>
-          <a:chOff x="0" y="0"/>
-          <a:chExt cx="0" cy="0"/>
-        </a:xfrm>
-      </p:grpSpPr>
-      <p:sp>
-        <p:nvSpPr>
-          <p:cNvPr id="2" name="Title 1"/>
-          <p:cNvSpPr>
-            <a:spLocks noGrp="1"/>
-          </p:cNvSpPr>
-          <p:nvPr>
-            <p:ph type="title"/>
-          </p:nvPr>
-        </p:nvSpPr>
-        <p:spPr/>
-        <p:txBody>
-          <a:bodyPr/>
-          <a:lstStyle/>
-          <a:p>
-            <a:r>
-              <a:rPr lang="en-US" dirty="0" smtClean="0"/>
-              <a:t>Joining with The Population Dataset</a:t>
-            </a:r>
-            <a:endParaRPr lang="en-US" dirty="0"/>
-          </a:p>
-        </p:txBody>
-      </p:sp>
-      <p:sp>
-        <p:nvSpPr>
-          <p:cNvPr id="8" name="TextBox 7"/>
-          <p:cNvSpPr txBox="1"/>
-          <p:nvPr/>
-        </p:nvSpPr>
-        <p:spPr>
-          <a:xfrm>
-            <a:off x="4077478" y="2271486"/>
-            <a:ext cx="253596" cy="369332"/>
-          </a:xfrm>
-          <a:prstGeom prst="rect">
-            <a:avLst/>
-          </a:prstGeom>
-          <a:noFill/>
-        </p:spPr>
-        <p:txBody>
-          <a:bodyPr wrap="none" rtlCol="0">
-            <a:spAutoFit/>
-          </a:bodyPr>
-          <a:lstStyle/>
-          <a:p>
-            <a:r>
-              <a:rPr lang="en-US" dirty="0"/>
-              <a:t> </a:t>
-            </a:r>
-          </a:p>
-        </p:txBody>
-      </p:sp>
-      <p:sp>
-        <p:nvSpPr>
-          <p:cNvPr id="9" name="TextBox 8"/>
-          <p:cNvSpPr txBox="1"/>
-          <p:nvPr/>
-        </p:nvSpPr>
-        <p:spPr>
-          <a:xfrm>
-            <a:off x="5774267" y="2456152"/>
-            <a:ext cx="184731" cy="1477328"/>
-          </a:xfrm>
-          <a:prstGeom prst="rect">
-            <a:avLst/>
-          </a:prstGeom>
-          <a:noFill/>
-        </p:spPr>
-        <p:txBody>
-          <a:bodyPr wrap="none" rtlCol="0">
-            <a:spAutoFit/>
-          </a:bodyPr>
-          <a:lstStyle/>
-          <a:p>
-            <a:endParaRPr lang="en-US" dirty="0"/>
-          </a:p>
-          <a:p>
-            <a:endParaRPr lang="en-US" dirty="0" smtClean="0"/>
-          </a:p>
-          <a:p>
-            <a:endParaRPr lang="en-US" dirty="0"/>
-          </a:p>
-          <a:p>
-            <a:endParaRPr lang="en-US" dirty="0" smtClean="0"/>
-          </a:p>
-          <a:p>
-            <a:endParaRPr lang="en-US" dirty="0"/>
-          </a:p>
-        </p:txBody>
-      </p:sp>
-      <p:sp>
-        <p:nvSpPr>
-          <p:cNvPr id="3" name="TextBox 2"/>
-          <p:cNvSpPr txBox="1"/>
-          <p:nvPr/>
-        </p:nvSpPr>
-        <p:spPr>
-          <a:xfrm>
-            <a:off x="10720874" y="1109031"/>
-            <a:ext cx="1151069" cy="369332"/>
-          </a:xfrm>
-          <a:prstGeom prst="rect">
-            <a:avLst/>
-          </a:prstGeom>
-          <a:noFill/>
-        </p:spPr>
-        <p:txBody>
-          <a:bodyPr wrap="square" rtlCol="0">
-            <a:spAutoFit/>
-          </a:bodyPr>
-          <a:lstStyle/>
-          <a:p>
-            <a:r>
-              <a:rPr lang="en-US" smtClean="0"/>
-              <a:t>Joins</a:t>
-            </a:r>
-            <a:endParaRPr lang="en-US" dirty="0"/>
-          </a:p>
-        </p:txBody>
-      </p:sp>
-      <p:pic>
-        <p:nvPicPr>
-          <p:cNvPr id="10" name="Content Placeholder 9"/>
-          <p:cNvPicPr>
-            <a:picLocks noGrp="1" noChangeAspect="1"/>
-          </p:cNvPicPr>
-          <p:nvPr>
-            <p:ph idx="1"/>
-          </p:nvPr>
-        </p:nvPicPr>
-        <p:blipFill>
-          <a:blip r:embed="rId2">
-            <a:extLst>
-              <a:ext uri="{28A0092B-C50C-407E-A947-70E740481C1C}">
-                <a14:useLocalDpi xmlns:a14="http://schemas.microsoft.com/office/drawing/2010/main" val="0"/>
-              </a:ext>
-            </a:extLst>
-          </a:blip>
-          <a:stretch>
-            <a:fillRect/>
-          </a:stretch>
-        </p:blipFill>
-        <p:spPr>
-          <a:xfrm>
-            <a:off x="177808" y="2484159"/>
-            <a:ext cx="6121391" cy="4142614"/>
-          </a:xfrm>
-        </p:spPr>
-      </p:pic>
-      <p:sp>
-        <p:nvSpPr>
-          <p:cNvPr id="11" name="TextBox 10"/>
-          <p:cNvSpPr txBox="1"/>
-          <p:nvPr/>
-        </p:nvSpPr>
-        <p:spPr>
-          <a:xfrm>
-            <a:off x="7244235" y="2475505"/>
-            <a:ext cx="4947765" cy="646331"/>
-          </a:xfrm>
-          <a:prstGeom prst="rect">
-            <a:avLst/>
-          </a:prstGeom>
-          <a:noFill/>
-        </p:spPr>
-        <p:txBody>
-          <a:bodyPr wrap="none" rtlCol="0">
-            <a:spAutoFit/>
-          </a:bodyPr>
-          <a:lstStyle/>
-          <a:p>
-            <a:r>
-              <a:rPr lang="en-US" dirty="0" smtClean="0"/>
-              <a:t>Merged the Population and Crime Data tables </a:t>
-            </a:r>
-          </a:p>
-          <a:p>
-            <a:r>
-              <a:rPr lang="en-US" dirty="0" smtClean="0"/>
-              <a:t>together with the help of the Dplry package. </a:t>
-            </a:r>
-            <a:endParaRPr lang="en-US" dirty="0"/>
-          </a:p>
-        </p:txBody>
-      </p:sp>
-    </p:spTree>
-    <p:extLst>
-      <p:ext uri="{BB962C8B-B14F-4D97-AF65-F5344CB8AC3E}">
-        <p14:creationId xmlns:p14="http://schemas.microsoft.com/office/powerpoint/2010/main" val="327939366"/>
-      </p:ext>
-    </p:extLst>
-  </p:cSld>
-  <p:clrMapOvr>
-    <a:masterClrMapping/>
-  </p:clrMapOvr>
-</p:sld>
-</file>
-
-<file path=ppt/slides/slide9.xml><?xml version="1.0" encoding="utf-8"?>
-<p:sld xmlns:a="http://schemas.openxmlformats.org/drawingml/2006/main" xmlns:r="http://schemas.openxmlformats.org/officeDocument/2006/relationships" xmlns:p="http://schemas.openxmlformats.org/presentationml/2006/main">
-  <p:cSld>
-    <p:spTree>
-      <p:nvGrpSpPr>
-        <p:cNvPr id="1" name=""/>
-        <p:cNvGrpSpPr/>
-        <p:nvPr/>
-      </p:nvGrpSpPr>
-      <p:grpSpPr>
-        <a:xfrm>
-          <a:off x="0" y="0"/>
-          <a:ext cx="0" cy="0"/>
-          <a:chOff x="0" y="0"/>
-          <a:chExt cx="0" cy="0"/>
-        </a:xfrm>
-      </p:grpSpPr>
-      <p:sp>
-        <p:nvSpPr>
-          <p:cNvPr id="2" name="Title 1"/>
-          <p:cNvSpPr>
-            <a:spLocks noGrp="1"/>
-          </p:cNvSpPr>
-          <p:nvPr>
-            <p:ph type="title"/>
-          </p:nvPr>
-        </p:nvSpPr>
-        <p:spPr/>
-        <p:txBody>
-          <a:bodyPr/>
-          <a:lstStyle/>
-          <a:p>
-            <a:r>
-              <a:rPr lang="en-US" dirty="0" smtClean="0"/>
-              <a:t>Calculating the Crime Rate</a:t>
-            </a:r>
-            <a:endParaRPr lang="en-US" dirty="0"/>
-          </a:p>
-        </p:txBody>
-      </p:sp>
-      <p:sp>
-        <p:nvSpPr>
-          <p:cNvPr id="8" name="TextBox 7"/>
-          <p:cNvSpPr txBox="1"/>
-          <p:nvPr/>
-        </p:nvSpPr>
-        <p:spPr>
-          <a:xfrm>
-            <a:off x="4077478" y="2271486"/>
-            <a:ext cx="253596" cy="369332"/>
-          </a:xfrm>
-          <a:prstGeom prst="rect">
-            <a:avLst/>
-          </a:prstGeom>
-          <a:noFill/>
-        </p:spPr>
-        <p:txBody>
-          <a:bodyPr wrap="none" rtlCol="0">
-            <a:spAutoFit/>
-          </a:bodyPr>
-          <a:lstStyle/>
-          <a:p>
-            <a:r>
-              <a:rPr lang="en-US" dirty="0"/>
-              <a:t> </a:t>
-            </a:r>
-          </a:p>
-        </p:txBody>
-      </p:sp>
-      <p:sp>
-        <p:nvSpPr>
-          <p:cNvPr id="9" name="TextBox 8"/>
-          <p:cNvSpPr txBox="1"/>
-          <p:nvPr/>
-        </p:nvSpPr>
-        <p:spPr>
-          <a:xfrm>
-            <a:off x="4572000" y="2836506"/>
-            <a:ext cx="184731" cy="1477328"/>
-          </a:xfrm>
-          <a:prstGeom prst="rect">
-            <a:avLst/>
-          </a:prstGeom>
-          <a:noFill/>
-        </p:spPr>
-        <p:txBody>
-          <a:bodyPr wrap="none" rtlCol="0">
-            <a:spAutoFit/>
-          </a:bodyPr>
-          <a:lstStyle/>
-          <a:p>
-            <a:endParaRPr lang="en-US" dirty="0"/>
-          </a:p>
-          <a:p>
-            <a:endParaRPr lang="en-US" dirty="0" smtClean="0"/>
-          </a:p>
-          <a:p>
-            <a:endParaRPr lang="en-US" dirty="0"/>
-          </a:p>
-          <a:p>
-            <a:endParaRPr lang="en-US" dirty="0" smtClean="0"/>
-          </a:p>
-          <a:p>
-            <a:endParaRPr lang="en-US" dirty="0"/>
-          </a:p>
-        </p:txBody>
-      </p:sp>
-      <p:sp>
-        <p:nvSpPr>
-          <p:cNvPr id="3" name="TextBox 2"/>
-          <p:cNvSpPr txBox="1"/>
-          <p:nvPr/>
-        </p:nvSpPr>
-        <p:spPr>
-          <a:xfrm>
-            <a:off x="10730204" y="1109031"/>
-            <a:ext cx="660758" cy="369332"/>
-          </a:xfrm>
-          <a:prstGeom prst="rect">
-            <a:avLst/>
-          </a:prstGeom>
-          <a:noFill/>
-        </p:spPr>
-        <p:txBody>
-          <a:bodyPr wrap="none" rtlCol="0">
-            <a:spAutoFit/>
-          </a:bodyPr>
-          <a:lstStyle/>
-          <a:p>
-            <a:r>
-              <a:rPr lang="en-US" dirty="0" smtClean="0"/>
-              <a:t>Data</a:t>
-            </a:r>
-            <a:endParaRPr lang="en-US" dirty="0"/>
-          </a:p>
-        </p:txBody>
-      </p:sp>
-      <p:pic>
-        <p:nvPicPr>
-          <p:cNvPr id="10" name="Content Placeholder 9"/>
-          <p:cNvPicPr>
-            <a:picLocks noGrp="1" noChangeAspect="1"/>
-          </p:cNvPicPr>
-          <p:nvPr>
-            <p:ph idx="1"/>
-          </p:nvPr>
-        </p:nvPicPr>
-        <p:blipFill>
-          <a:blip r:embed="rId2">
-            <a:extLst>
-              <a:ext uri="{28A0092B-C50C-407E-A947-70E740481C1C}">
-                <a14:useLocalDpi xmlns:a14="http://schemas.microsoft.com/office/drawing/2010/main" val="0"/>
-              </a:ext>
-            </a:extLst>
-          </a:blip>
-          <a:stretch>
-            <a:fillRect/>
-          </a:stretch>
-        </p:blipFill>
-        <p:spPr>
-          <a:xfrm>
-            <a:off x="316972" y="2549286"/>
-            <a:ext cx="11595486" cy="4198648"/>
-          </a:xfrm>
-        </p:spPr>
-      </p:pic>
-    </p:spTree>
-    <p:extLst>
-      <p:ext uri="{BB962C8B-B14F-4D97-AF65-F5344CB8AC3E}">
-        <p14:creationId xmlns:p14="http://schemas.microsoft.com/office/powerpoint/2010/main" val="1992916928"/>
+        <p14:creationId xmlns:p14="http://schemas.microsoft.com/office/powerpoint/2010/main" val="635367941"/>
       </p:ext>
     </p:extLst>
   </p:cSld>

--- a/SHaslettRecommenderSystemsInContext.pptx
+++ b/SHaslettRecommenderSystemsInContext.pptx
@@ -8602,14 +8602,16 @@
         </p:nvSpPr>
         <p:spPr/>
         <p:txBody>
-          <a:bodyPr/>
+          <a:bodyPr>
+            <a:normAutofit/>
+          </a:bodyPr>
           <a:lstStyle/>
           <a:p>
             <a:r>
-              <a:rPr lang="en-US" dirty="0" smtClean="0"/>
-              <a:t>Possible Applications for CARS</a:t>
-            </a:r>
-            <a:endParaRPr lang="en-US" dirty="0"/>
+              <a:rPr lang="en-US" sz="3200" dirty="0" smtClean="0"/>
+              <a:t>CARS Applications</a:t>
+            </a:r>
+            <a:endParaRPr lang="en-US" sz="3200" dirty="0"/>
           </a:p>
         </p:txBody>
       </p:sp>
@@ -8637,8 +8639,8 @@
         </p:blipFill>
         <p:spPr>
           <a:xfrm>
-            <a:off x="680321" y="2271486"/>
-            <a:ext cx="3048111" cy="2291184"/>
+            <a:off x="680321" y="2483284"/>
+            <a:ext cx="3439752" cy="2107548"/>
           </a:xfrm>
         </p:spPr>
       </p:pic>
@@ -8680,8 +8682,8 @@
         </p:nvSpPr>
         <p:spPr>
           <a:xfrm>
-            <a:off x="4077478" y="2271486"/>
-            <a:ext cx="4043736" cy="369332"/>
+            <a:off x="4347824" y="2483284"/>
+            <a:ext cx="4478124" cy="1477328"/>
           </a:xfrm>
           <a:prstGeom prst="rect">
             <a:avLst/>
@@ -8689,6 +8691,68 @@
           <a:noFill/>
         </p:spPr>
         <p:txBody>
+          <a:bodyPr wrap="square" rtlCol="0">
+            <a:spAutoFit/>
+          </a:bodyPr>
+          <a:lstStyle/>
+          <a:p>
+            <a:pPr marL="285750" indent="-285750">
+              <a:buFont typeface="Arial" charset="0"/>
+              <a:buChar char="•"/>
+            </a:pPr>
+            <a:r>
+              <a:rPr lang="en-US" dirty="0" smtClean="0"/>
+              <a:t>Travel Guides</a:t>
+            </a:r>
+            <a:br>
+              <a:rPr lang="en-US" dirty="0" smtClean="0"/>
+            </a:br>
+            <a:endParaRPr lang="en-US" dirty="0" smtClean="0"/>
+          </a:p>
+          <a:p>
+            <a:pPr marL="285750" indent="-285750">
+              <a:buFont typeface="Arial" charset="0"/>
+              <a:buChar char="•"/>
+            </a:pPr>
+            <a:r>
+              <a:rPr lang="en-US" dirty="0"/>
+              <a:t>Music Recommender </a:t>
+            </a:r>
+            <a:r>
+              <a:rPr lang="en-US" dirty="0" smtClean="0"/>
+              <a:t>Systems</a:t>
+            </a:r>
+            <a:br>
+              <a:rPr lang="en-US" dirty="0" smtClean="0"/>
+            </a:br>
+            <a:endParaRPr lang="en-US" dirty="0" smtClean="0"/>
+          </a:p>
+          <a:p>
+            <a:pPr marL="285750" indent="-285750">
+              <a:buFont typeface="Arial" charset="0"/>
+              <a:buChar char="•"/>
+            </a:pPr>
+            <a:endParaRPr lang="en-US" dirty="0"/>
+          </a:p>
+        </p:txBody>
+      </p:sp>
+      <p:sp>
+        <p:nvSpPr>
+          <p:cNvPr id="9" name="TextBox 8"/>
+          <p:cNvSpPr txBox="1"/>
+          <p:nvPr/>
+        </p:nvSpPr>
+        <p:spPr>
+          <a:xfrm>
+            <a:off x="4581331" y="2836506"/>
+            <a:ext cx="253596" cy="1754326"/>
+          </a:xfrm>
+          <a:prstGeom prst="rect">
+            <a:avLst/>
+          </a:prstGeom>
+          <a:noFill/>
+        </p:spPr>
+        <p:txBody>
           <a:bodyPr wrap="none" rtlCol="0">
             <a:spAutoFit/>
           </a:bodyPr>
@@ -8696,49 +8760,8 @@
           <a:p>
             <a:r>
               <a:rPr lang="en-US" dirty="0" smtClean="0"/>
-              <a:t>Take What You Need, Leave the Rest.</a:t>
-            </a:r>
-            <a:endParaRPr lang="en-US" dirty="0"/>
-          </a:p>
-        </p:txBody>
-      </p:sp>
-      <p:sp>
-        <p:nvSpPr>
-          <p:cNvPr id="9" name="TextBox 8"/>
-          <p:cNvSpPr txBox="1"/>
-          <p:nvPr/>
-        </p:nvSpPr>
-        <p:spPr>
-          <a:xfrm>
-            <a:off x="4581331" y="2836506"/>
-            <a:ext cx="7263527" cy="2031325"/>
-          </a:xfrm>
-          <a:prstGeom prst="rect">
-            <a:avLst/>
-          </a:prstGeom>
-          <a:noFill/>
-        </p:spPr>
-        <p:txBody>
-          <a:bodyPr wrap="none" rtlCol="0">
-            <a:spAutoFit/>
-          </a:bodyPr>
-          <a:lstStyle/>
-          <a:p>
-            <a:r>
-              <a:rPr lang="en-US" dirty="0" smtClean="0"/>
-              <a:t>The original arrest info dataset had a lot of columns we didn't need,</a:t>
-            </a:r>
-          </a:p>
-          <a:p>
-            <a:r>
-              <a:rPr lang="en-US" dirty="0" smtClean="0"/>
-              <a:t>So we dropped them. </a:t>
-            </a:r>
-          </a:p>
-          <a:p>
-            <a:endParaRPr lang="en-US" dirty="0"/>
-          </a:p>
-          <a:p>
+              <a:t> </a:t>
+            </a:r>
             <a:endParaRPr lang="en-US" dirty="0" smtClean="0"/>
           </a:p>
           <a:p>
@@ -8750,38 +8773,14 @@
           <a:p>
             <a:endParaRPr lang="en-US" dirty="0"/>
           </a:p>
-        </p:txBody>
-      </p:sp>
-      <p:pic>
-        <p:nvPicPr>
-          <p:cNvPr id="12" name="Picture 11"/>
-          <p:cNvPicPr>
-            <a:picLocks noChangeAspect="1"/>
-          </p:cNvPicPr>
-          <p:nvPr/>
-        </p:nvPicPr>
-        <p:blipFill>
-          <a:blip r:embed="rId3">
-            <a:extLst>
-              <a:ext uri="{28A0092B-C50C-407E-A947-70E740481C1C}">
-                <a14:useLocalDpi xmlns:a14="http://schemas.microsoft.com/office/drawing/2010/main" val="0"/>
-              </a:ext>
-            </a:extLst>
-          </a:blip>
-          <a:stretch>
-            <a:fillRect/>
-          </a:stretch>
-        </p:blipFill>
-        <p:spPr>
-          <a:xfrm>
-            <a:off x="7428724" y="3389222"/>
-            <a:ext cx="4141236" cy="2957217"/>
-          </a:xfrm>
-          <a:prstGeom prst="rect">
-            <a:avLst/>
-          </a:prstGeom>
-        </p:spPr>
-      </p:pic>
+          <a:p>
+            <a:endParaRPr lang="en-US" dirty="0" smtClean="0"/>
+          </a:p>
+          <a:p>
+            <a:endParaRPr lang="en-US" dirty="0"/>
+          </a:p>
+        </p:txBody>
+      </p:sp>
     </p:spTree>
     <p:extLst>
       <p:ext uri="{BB962C8B-B14F-4D97-AF65-F5344CB8AC3E}">
@@ -8824,14 +8823,16 @@
         </p:nvSpPr>
         <p:spPr/>
         <p:txBody>
-          <a:bodyPr/>
+          <a:bodyPr>
+            <a:normAutofit/>
+          </a:bodyPr>
           <a:lstStyle/>
           <a:p>
             <a:r>
-              <a:rPr lang="en-US" dirty="0" smtClean="0"/>
-              <a:t>Conclusion</a:t>
-            </a:r>
-            <a:endParaRPr lang="en-US" dirty="0"/>
+              <a:rPr lang="en-US" sz="3200" dirty="0" smtClean="0"/>
+              <a:t>Further Reading</a:t>
+            </a:r>
+            <a:endParaRPr lang="en-US" sz="3200" dirty="0"/>
           </a:p>
         </p:txBody>
       </p:sp>
@@ -8911,7 +8912,7 @@
         <p:spPr>
           <a:xfrm>
             <a:off x="10730204" y="1109031"/>
-            <a:ext cx="1289135" cy="369332"/>
+            <a:ext cx="994568" cy="369332"/>
           </a:xfrm>
           <a:prstGeom prst="rect">
             <a:avLst/>
@@ -8926,155 +8927,9 @@
           <a:p>
             <a:r>
               <a:rPr lang="en-US" dirty="0" smtClean="0"/>
-              <a:t>Conclusion</a:t>
-            </a:r>
-            <a:endParaRPr lang="en-US" dirty="0"/>
-          </a:p>
-        </p:txBody>
-      </p:sp>
-      <p:sp>
-        <p:nvSpPr>
-          <p:cNvPr id="4" name="TextBox 3"/>
-          <p:cNvSpPr txBox="1"/>
-          <p:nvPr/>
-        </p:nvSpPr>
-        <p:spPr>
-          <a:xfrm>
-            <a:off x="4331074" y="2147186"/>
-            <a:ext cx="7832308" cy="3108543"/>
-          </a:xfrm>
-          <a:prstGeom prst="rect">
-            <a:avLst/>
-          </a:prstGeom>
-          <a:noFill/>
-        </p:spPr>
-        <p:txBody>
-          <a:bodyPr wrap="square" rtlCol="0">
-            <a:spAutoFit/>
-          </a:bodyPr>
-          <a:lstStyle/>
-          <a:p>
-            <a:r>
-              <a:rPr lang="en-US" sz="1400" dirty="0"/>
-              <a:t>The number of arrests for low level crimes are consistently low throughout this </a:t>
-            </a:r>
-            <a:r>
-              <a:rPr lang="en-US" sz="1400" dirty="0" smtClean="0"/>
-              <a:t>report. This </a:t>
-            </a:r>
-            <a:r>
-              <a:rPr lang="en-US" sz="1400" dirty="0"/>
-              <a:t>would suggest that such crimes often go unreported, or they are so low level that they </a:t>
-            </a:r>
-            <a:r>
-              <a:rPr lang="en-US" sz="1400" dirty="0" smtClean="0"/>
-              <a:t>do</a:t>
-            </a:r>
-          </a:p>
-          <a:p>
-            <a:r>
-              <a:rPr lang="en-US" sz="1400" dirty="0" smtClean="0"/>
-              <a:t>not warrant arrest.</a:t>
-            </a:r>
-          </a:p>
-          <a:p>
-            <a:endParaRPr lang="en-US" sz="1400" dirty="0"/>
-          </a:p>
-          <a:p>
-            <a:r>
-              <a:rPr lang="en-US" sz="1400" dirty="0" smtClean="0"/>
-              <a:t>The </a:t>
-            </a:r>
-            <a:r>
-              <a:rPr lang="en-US" sz="1400" dirty="0"/>
-              <a:t>fact that misdemeanors lead to the most arrests is of no surprise. Such crimes are low </a:t>
-            </a:r>
-            <a:r>
-              <a:rPr lang="en-US" sz="1400" dirty="0" err="1" smtClean="0"/>
-              <a:t>level,but</a:t>
-            </a:r>
-            <a:r>
-              <a:rPr lang="en-US" sz="1400" dirty="0" smtClean="0"/>
-              <a:t> </a:t>
-            </a:r>
-            <a:r>
-              <a:rPr lang="en-US" sz="1400" dirty="0"/>
-              <a:t>they lead to arrest. The fact that they are low level probably means people are more likely </a:t>
-            </a:r>
-            <a:r>
-              <a:rPr lang="en-US" sz="1400" dirty="0" smtClean="0"/>
-              <a:t>to commit </a:t>
-            </a:r>
-            <a:r>
-              <a:rPr lang="en-US" sz="1400" dirty="0"/>
-              <a:t>these crimes with little effort to hide their actions</a:t>
-            </a:r>
-            <a:r>
-              <a:rPr lang="en-US" sz="1400" dirty="0" smtClean="0"/>
-              <a:t>.</a:t>
-            </a:r>
-          </a:p>
-          <a:p>
-            <a:endParaRPr lang="en-US" sz="1400" dirty="0"/>
-          </a:p>
-          <a:p>
-            <a:r>
-              <a:rPr lang="en-US" sz="1400" dirty="0"/>
-              <a:t>When it comes to safe boroughs in New York, it appears that Queens is the safest </a:t>
-            </a:r>
-            <a:r>
-              <a:rPr lang="en-US" sz="1400" dirty="0" smtClean="0"/>
-              <a:t>borough,</a:t>
-            </a:r>
-          </a:p>
-          <a:p>
-            <a:r>
-              <a:rPr lang="en-US" sz="1400" dirty="0" smtClean="0"/>
-              <a:t>followed </a:t>
-            </a:r>
-            <a:r>
-              <a:rPr lang="en-US" sz="1400" dirty="0"/>
-              <a:t>by Staten Island. The most dangerous borough is the Bronx, followed by </a:t>
-            </a:r>
-            <a:r>
-              <a:rPr lang="en-US" sz="1400" dirty="0" smtClean="0"/>
-              <a:t>Manhattan.</a:t>
-            </a:r>
-          </a:p>
-          <a:p>
-            <a:endParaRPr lang="en-US" sz="1400" dirty="0"/>
-          </a:p>
-          <a:p>
-            <a:r>
-              <a:rPr lang="en-US" sz="1400" dirty="0" smtClean="0"/>
-              <a:t>I </a:t>
-            </a:r>
-            <a:r>
-              <a:rPr lang="en-US" sz="1400" dirty="0"/>
-              <a:t>would not have expected Manhattan to have a high crime rate, so given more </a:t>
-            </a:r>
-            <a:r>
-              <a:rPr lang="en-US" sz="1400" dirty="0" smtClean="0"/>
-              <a:t>time,</a:t>
-            </a:r>
-          </a:p>
-          <a:p>
-            <a:r>
-              <a:rPr lang="en-US" sz="1400" dirty="0" smtClean="0"/>
-              <a:t>this </a:t>
-            </a:r>
-            <a:r>
-              <a:rPr lang="en-US" sz="1400" dirty="0"/>
-              <a:t>would have been an interesting point to explore further. Either there are interesting </a:t>
-            </a:r>
-            <a:r>
-              <a:rPr lang="en-US" sz="1400" dirty="0" smtClean="0"/>
-              <a:t>reasons for </a:t>
-            </a:r>
-            <a:r>
-              <a:rPr lang="en-US" sz="1400" dirty="0"/>
-              <a:t>this lurking below the surface, or the data is somehow skewed.</a:t>
-            </a:r>
+              <a:t>Reading</a:t>
+            </a:r>
+            <a:endParaRPr lang="en-US" dirty="0"/>
           </a:p>
         </p:txBody>
       </p:sp>
@@ -9100,14 +8955,164 @@
         </p:blipFill>
         <p:spPr>
           <a:xfrm>
-            <a:off x="410796" y="2271486"/>
-            <a:ext cx="3817262" cy="3046963"/>
+            <a:off x="410796" y="2523573"/>
+            <a:ext cx="3817262" cy="2542789"/>
           </a:xfrm>
           <a:prstGeom prst="rect">
             <a:avLst/>
           </a:prstGeom>
         </p:spPr>
       </p:pic>
+      <p:sp>
+        <p:nvSpPr>
+          <p:cNvPr id="6" name="TextBox 5"/>
+          <p:cNvSpPr txBox="1"/>
+          <p:nvPr/>
+        </p:nvSpPr>
+        <p:spPr>
+          <a:xfrm>
+            <a:off x="4572000" y="2523573"/>
+            <a:ext cx="6662057" cy="2031325"/>
+          </a:xfrm>
+          <a:prstGeom prst="rect">
+            <a:avLst/>
+          </a:prstGeom>
+          <a:noFill/>
+        </p:spPr>
+        <p:txBody>
+          <a:bodyPr wrap="square" rtlCol="0">
+            <a:spAutoFit/>
+          </a:bodyPr>
+          <a:lstStyle/>
+          <a:p>
+            <a:pPr marL="285750" indent="-285750">
+              <a:buFont typeface="Arial" charset="0"/>
+              <a:buChar char="•"/>
+            </a:pPr>
+            <a:r>
+              <a:rPr lang="en-US" b="1" dirty="0"/>
+              <a:t>Context-Aware Recommender </a:t>
+            </a:r>
+            <a:r>
+              <a:rPr lang="en-US" b="1" dirty="0" smtClean="0"/>
+              <a:t>Systems</a:t>
+            </a:r>
+            <a:br>
+              <a:rPr lang="en-US" b="1" dirty="0" smtClean="0"/>
+            </a:br>
+            <a:r>
+              <a:rPr lang="en-US" sz="1200" dirty="0" smtClean="0"/>
+              <a:t>AI Magazine </a:t>
+            </a:r>
+            <a:r>
+              <a:rPr lang="en-US" sz="1200" b="1" dirty="0" smtClean="0"/>
+              <a:t>- </a:t>
+            </a:r>
+            <a:r>
+              <a:rPr lang="en-US" sz="1200" dirty="0" smtClean="0">
+                <a:hlinkClick r:id="rId3"/>
+              </a:rPr>
+              <a:t>https</a:t>
+            </a:r>
+            <a:r>
+              <a:rPr lang="en-US" sz="1200" dirty="0">
+                <a:hlinkClick r:id="rId3"/>
+              </a:rPr>
+              <a:t>://</a:t>
+            </a:r>
+            <a:r>
+              <a:rPr lang="en-US" sz="1200" dirty="0" smtClean="0">
+                <a:hlinkClick r:id="rId3"/>
+              </a:rPr>
+              <a:t>www.aaai.org/ojs/index.php/aimagazine/article/view/2364</a:t>
+            </a:r>
+            <a:endParaRPr lang="en-US" sz="1200" dirty="0" smtClean="0"/>
+          </a:p>
+          <a:p>
+            <a:pPr marL="285750" indent="-285750">
+              <a:buFont typeface="Arial" charset="0"/>
+              <a:buChar char="•"/>
+            </a:pPr>
+            <a:endParaRPr lang="en-US" sz="1200" dirty="0"/>
+          </a:p>
+          <a:p>
+            <a:pPr marL="285750" indent="-285750">
+              <a:buFont typeface="Arial" charset="0"/>
+              <a:buChar char="•"/>
+            </a:pPr>
+            <a:r>
+              <a:rPr lang="en-US" dirty="0"/>
+              <a:t>2.2.1. Context-Aware Recommendation </a:t>
+            </a:r>
+            <a:r>
+              <a:rPr lang="en-US" dirty="0" smtClean="0"/>
+              <a:t>Systems</a:t>
+            </a:r>
+            <a:br>
+              <a:rPr lang="en-US" dirty="0" smtClean="0"/>
+            </a:br>
+            <a:r>
+              <a:rPr lang="en-US" sz="1200" dirty="0" smtClean="0"/>
+              <a:t>AI First - </a:t>
+            </a:r>
+            <a:r>
+              <a:rPr lang="en-US" sz="1200" dirty="0">
+                <a:hlinkClick r:id="rId4"/>
+              </a:rPr>
+              <a:t>https://</a:t>
+            </a:r>
+            <a:r>
+              <a:rPr lang="en-US" sz="1200" dirty="0" smtClean="0">
+                <a:hlinkClick r:id="rId4"/>
+              </a:rPr>
+              <a:t>www.youtube.com/watch?v=TBg9FSAb8zw&amp;t=15s</a:t>
+            </a:r>
+            <a:endParaRPr lang="en-US" sz="1200" dirty="0" smtClean="0"/>
+          </a:p>
+          <a:p>
+            <a:pPr marL="285750" indent="-285750">
+              <a:buFont typeface="Arial" charset="0"/>
+              <a:buChar char="•"/>
+            </a:pPr>
+            <a:endParaRPr lang="en-US" sz="1200" dirty="0"/>
+          </a:p>
+          <a:p>
+            <a:pPr marL="285750" indent="-285750">
+              <a:buFont typeface="Arial" charset="0"/>
+              <a:buChar char="•"/>
+            </a:pPr>
+            <a:r>
+              <a:rPr lang="en-US" dirty="0"/>
+              <a:t>2.2.2 Context-Aware </a:t>
+            </a:r>
+            <a:r>
+              <a:rPr lang="en-US" dirty="0" smtClean="0"/>
+              <a:t>Algorithms</a:t>
+            </a:r>
+            <a:br>
+              <a:rPr lang="en-US" dirty="0" smtClean="0"/>
+            </a:br>
+            <a:r>
+              <a:rPr lang="en-US" sz="1200" dirty="0" smtClean="0"/>
+              <a:t>AI First - </a:t>
+            </a:r>
+            <a:r>
+              <a:rPr lang="en-US" sz="1200" dirty="0">
+                <a:hlinkClick r:id="rId5"/>
+              </a:rPr>
+              <a:t>https://www.youtube.com/watch?v=HoScjz-ymL8&amp;t=4s</a:t>
+            </a:r>
+            <a:endParaRPr lang="en-US" sz="1200" dirty="0"/>
+          </a:p>
+          <a:p>
+            <a:pPr marL="285750" indent="-285750">
+              <a:buFont typeface="Arial" charset="0"/>
+              <a:buChar char="•"/>
+            </a:pPr>
+            <a:endParaRPr lang="en-US" sz="1200" dirty="0"/>
+          </a:p>
+        </p:txBody>
+      </p:sp>
     </p:spTree>
     <p:extLst>
       <p:ext uri="{BB962C8B-B14F-4D97-AF65-F5344CB8AC3E}">

--- a/SHaslettRecommenderSystemsInContext.pptx
+++ b/SHaslettRecommenderSystemsInContext.pptx
@@ -391,7 +391,7 @@
           <a:p>
             <a:fld id="{78ABE3C1-DBE1-495D-B57B-2849774B866A}" type="datetimeFigureOut">
               <a:rPr lang="en-US" dirty="0"/>
-              <a:t>7/5/20</a:t>
+              <a:t>7/7/20</a:t>
             </a:fld>
             <a:endParaRPr lang="en-US" dirty="0"/>
           </a:p>
@@ -800,7 +800,7 @@
           <a:p>
             <a:fld id="{446C117F-5CCF-4837-BE5F-2B92066CAFAF}" type="datetimeFigureOut">
               <a:rPr lang="en-US" dirty="0"/>
-              <a:t>7/5/20</a:t>
+              <a:t>7/7/20</a:t>
             </a:fld>
             <a:endParaRPr lang="en-US" dirty="0"/>
           </a:p>
@@ -1131,7 +1131,7 @@
           <a:p>
             <a:fld id="{84EB90BD-B6CE-46B7-997F-7313B992CCDC}" type="datetimeFigureOut">
               <a:rPr lang="en-US" dirty="0"/>
-              <a:t>7/5/20</a:t>
+              <a:t>7/7/20</a:t>
             </a:fld>
             <a:endParaRPr lang="en-US" dirty="0"/>
           </a:p>
@@ -1531,7 +1531,7 @@
           <a:p>
             <a:fld id="{CDB9D11F-B188-461D-B23F-39381795C052}" type="datetimeFigureOut">
               <a:rPr lang="en-US" dirty="0"/>
-              <a:t>7/5/20</a:t>
+              <a:t>7/7/20</a:t>
             </a:fld>
             <a:endParaRPr lang="en-US" dirty="0"/>
           </a:p>
@@ -2094,7 +2094,7 @@
           <a:p>
             <a:fld id="{52E6D8D9-55A2-4063-B0F3-121F44549695}" type="datetimeFigureOut">
               <a:rPr lang="en-US" dirty="0"/>
-              <a:t>7/5/20</a:t>
+              <a:t>7/7/20</a:t>
             </a:fld>
             <a:endParaRPr lang="en-US" dirty="0"/>
           </a:p>
@@ -2770,7 +2770,7 @@
           <a:p>
             <a:fld id="{D4B24536-994D-4021-A283-9F449C0DB509}" type="datetimeFigureOut">
               <a:rPr lang="en-US" dirty="0"/>
-              <a:t>7/5/20</a:t>
+              <a:t>7/7/20</a:t>
             </a:fld>
             <a:endParaRPr lang="en-US" dirty="0"/>
           </a:p>
@@ -3678,7 +3678,7 @@
           <a:p>
             <a:fld id="{3CBBBB78-C96F-47B7-AB17-D852CA960AC9}" type="datetimeFigureOut">
               <a:rPr lang="en-US" dirty="0"/>
-              <a:t>7/5/20</a:t>
+              <a:t>7/7/20</a:t>
             </a:fld>
             <a:endParaRPr lang="en-US" dirty="0"/>
           </a:p>
@@ -3986,7 +3986,7 @@
           <a:p>
             <a:fld id="{1FA3F48C-C7C6-4055-9F49-3777875E72AE}" type="datetimeFigureOut">
               <a:rPr lang="en-US" dirty="0"/>
-              <a:t>7/5/20</a:t>
+              <a:t>7/7/20</a:t>
             </a:fld>
             <a:endParaRPr lang="en-US" dirty="0"/>
           </a:p>
@@ -4245,7 +4245,7 @@
           <a:p>
             <a:fld id="{6178E61D-D431-422C-9764-11DAFE33AB63}" type="datetimeFigureOut">
               <a:rPr lang="en-US" dirty="0"/>
-              <a:t>7/5/20</a:t>
+              <a:t>7/7/20</a:t>
             </a:fld>
             <a:endParaRPr lang="en-US" dirty="0"/>
           </a:p>
@@ -4564,7 +4564,7 @@
           <a:p>
             <a:fld id="{12DE42F4-6EEF-4EF7-8ED4-2208F0F89A08}" type="datetimeFigureOut">
               <a:rPr lang="en-US" dirty="0"/>
-              <a:t>7/5/20</a:t>
+              <a:t>7/7/20</a:t>
             </a:fld>
             <a:endParaRPr lang="en-US" dirty="0"/>
           </a:p>
@@ -4948,7 +4948,7 @@
           <a:p>
             <a:fld id="{30578ACC-22D6-47C1-A373-4FD133E34F3C}" type="datetimeFigureOut">
               <a:rPr lang="en-US" dirty="0"/>
-              <a:t>7/5/20</a:t>
+              <a:t>7/7/20</a:t>
             </a:fld>
             <a:endParaRPr lang="en-US" dirty="0"/>
           </a:p>
@@ -5319,7 +5319,7 @@
           <a:p>
             <a:fld id="{4E5A6C69-6797-4E8A-BF37-F2C3751466E9}" type="datetimeFigureOut">
               <a:rPr lang="en-US" dirty="0"/>
-              <a:t>7/5/20</a:t>
+              <a:t>7/7/20</a:t>
             </a:fld>
             <a:endParaRPr lang="en-US" dirty="0"/>
           </a:p>
@@ -5820,7 +5820,7 @@
           <a:p>
             <a:fld id="{D82014A1-A632-4878-A0D3-F52BA7563730}" type="datetimeFigureOut">
               <a:rPr lang="en-US" dirty="0"/>
-              <a:t>7/5/20</a:t>
+              <a:t>7/7/20</a:t>
             </a:fld>
             <a:endParaRPr lang="en-US" dirty="0"/>
           </a:p>
@@ -6072,7 +6072,7 @@
           <a:p>
             <a:fld id="{CE99F462-093F-4566-844B-4C71F2739DA5}" type="datetimeFigureOut">
               <a:rPr lang="en-US" dirty="0"/>
-              <a:t>7/5/20</a:t>
+              <a:t>7/7/20</a:t>
             </a:fld>
             <a:endParaRPr lang="en-US" dirty="0"/>
           </a:p>
@@ -6230,7 +6230,7 @@
           <a:p>
             <a:fld id="{3D24A7AC-904D-4781-85BA-7D10C17ED021}" type="datetimeFigureOut">
               <a:rPr lang="en-US" dirty="0"/>
-              <a:t>7/5/20</a:t>
+              <a:t>7/7/20</a:t>
             </a:fld>
             <a:endParaRPr lang="en-US" dirty="0"/>
           </a:p>
@@ -6615,7 +6615,7 @@
           <a:p>
             <a:fld id="{E331444B-B92B-4E27-8C94-BB93EAF5CB18}" type="datetimeFigureOut">
               <a:rPr lang="en-US" dirty="0"/>
-              <a:t>7/5/20</a:t>
+              <a:t>7/7/20</a:t>
             </a:fld>
             <a:endParaRPr lang="en-US" dirty="0"/>
           </a:p>
@@ -7019,7 +7019,7 @@
           <a:p>
             <a:fld id="{363EFA5E-FA76-400D-B3DC-F0BA90E6D107}" type="datetimeFigureOut">
               <a:rPr lang="en-US" dirty="0"/>
-              <a:t>7/5/20</a:t>
+              <a:t>7/7/20</a:t>
             </a:fld>
             <a:endParaRPr lang="en-US" dirty="0"/>
           </a:p>
@@ -7258,7 +7258,7 @@
           <a:p>
             <a:fld id="{9D6E9DEC-419B-4CC5-A080-3B06BD5A8291}" type="datetimeFigureOut">
               <a:rPr lang="en-US" dirty="0"/>
-              <a:t>7/5/20</a:t>
+              <a:t>7/7/20</a:t>
             </a:fld>
             <a:endParaRPr lang="en-US" dirty="0"/>
           </a:p>
@@ -7702,7 +7702,6 @@
               <a:rPr lang="en-US" sz="3200" dirty="0"/>
               <a:t>(CARS)</a:t>
             </a:r>
-            <a:endParaRPr lang="en-US" sz="3200" dirty="0"/>
           </a:p>
         </p:txBody>
       </p:sp>
@@ -7723,11 +7722,7 @@
           <a:p>
             <a:r>
               <a:rPr lang="en-US" dirty="0" smtClean="0"/>
-              <a:t>Data </a:t>
-            </a:r>
-            <a:r>
-              <a:rPr lang="en-US" dirty="0" smtClean="0"/>
-              <a:t>612 </a:t>
+              <a:t>Data 612 </a:t>
             </a:r>
             <a:r>
               <a:rPr lang="mr-IN" dirty="0" smtClean="0"/>
@@ -7735,11 +7730,7 @@
             </a:r>
             <a:r>
               <a:rPr lang="en-US" dirty="0" smtClean="0"/>
-              <a:t> </a:t>
-            </a:r>
-            <a:r>
-              <a:rPr lang="en-US" dirty="0" smtClean="0"/>
-              <a:t>Recommender Systems in Context</a:t>
+              <a:t> Recommender Systems in Context</a:t>
             </a:r>
             <a:endParaRPr lang="en-US" dirty="0"/>
           </a:p>
@@ -7885,7 +7876,6 @@
               <a:rPr lang="en-US" dirty="0" smtClean="0"/>
               <a:t>Context consists of a number of components:</a:t>
             </a:r>
-            <a:endParaRPr lang="en-US" dirty="0" smtClean="0"/>
           </a:p>
           <a:p>
             <a:endParaRPr lang="en-US" dirty="0" smtClean="0"/>
@@ -7926,7 +7916,6 @@
               <a:rPr lang="en-US" dirty="0" smtClean="0"/>
               <a:t>Where</a:t>
             </a:r>
-            <a:endParaRPr lang="en-US" dirty="0" smtClean="0"/>
           </a:p>
           <a:p>
             <a:r>
@@ -8203,7 +8192,6 @@
               <a:rPr lang="en-US" sz="1800" dirty="0" smtClean="0"/>
               <a:t>Users x Items x Contexts -&gt; Ratings </a:t>
             </a:r>
-            <a:endParaRPr lang="en-US" sz="1800" dirty="0" smtClean="0"/>
           </a:p>
         </p:txBody>
       </p:sp>
@@ -8405,11 +8393,7 @@
           <a:p>
             <a:r>
               <a:rPr lang="en-US" dirty="0" smtClean="0"/>
-              <a:t>CARS utilize 3 paradigms to incorporate context into recommendations</a:t>
-            </a:r>
-            <a:r>
-              <a:rPr lang="en-US" dirty="0" smtClean="0"/>
-              <a:t>:</a:t>
+              <a:t>CARS utilize 3 paradigms to incorporate context into recommendations:</a:t>
             </a:r>
             <a:endParaRPr lang="en-US" dirty="0"/>
           </a:p>
@@ -8670,7 +8654,6 @@
               <a:rPr lang="en-US" dirty="0" smtClean="0"/>
               <a:t>Applications</a:t>
             </a:r>
-            <a:endParaRPr lang="en-US" dirty="0" smtClean="0"/>
           </a:p>
         </p:txBody>
       </p:sp>
@@ -8683,7 +8666,7 @@
         <p:spPr>
           <a:xfrm>
             <a:off x="4347824" y="2483284"/>
-            <a:ext cx="4478124" cy="1477328"/>
+            <a:ext cx="4478124" cy="923330"/>
           </a:xfrm>
           <a:prstGeom prst="rect">
             <a:avLst/>
@@ -8716,23 +8699,17 @@
             </a:pPr>
             <a:r>
               <a:rPr lang="en-US" dirty="0"/>
-              <a:t>Music Recommender </a:t>
-            </a:r>
-            <a:r>
-              <a:rPr lang="en-US" dirty="0" smtClean="0"/>
+              <a:t>Music </a:t>
+            </a:r>
+            <a:r>
+              <a:rPr lang="en-US"/>
+              <a:t>Recommender </a:t>
+            </a:r>
+            <a:r>
+              <a:rPr lang="en-US" smtClean="0"/>
               <a:t>Systems</a:t>
             </a:r>
-            <a:br>
-              <a:rPr lang="en-US" dirty="0" smtClean="0"/>
-            </a:br>
             <a:endParaRPr lang="en-US" dirty="0" smtClean="0"/>
-          </a:p>
-          <a:p>
-            <a:pPr marL="285750" indent="-285750">
-              <a:buFont typeface="Arial" charset="0"/>
-              <a:buChar char="•"/>
-            </a:pPr>
-            <a:endParaRPr lang="en-US" dirty="0"/>
           </a:p>
         </p:txBody>
       </p:sp>
@@ -8762,7 +8739,6 @@
               <a:rPr lang="en-US" dirty="0" smtClean="0"/>
               <a:t> </a:t>
             </a:r>
-            <a:endParaRPr lang="en-US" dirty="0" smtClean="0"/>
           </a:p>
           <a:p>
             <a:endParaRPr lang="en-US" dirty="0"/>
